--- a/lectures/15.builder/builder.pptx
+++ b/lectures/15.builder/builder.pptx
@@ -1418,902 +1418,6 @@
       <dsp:cNvGrpSpPr/>
     </dsp:nvGrpSpPr>
     <dsp:grpSpPr/>
-    <dsp:sp modelId="{9D6FB206-1EB8-4A4B-9A9F-68F2FEF60BD9}">
-      <dsp:nvSpPr>
-        <dsp:cNvPr id="0" name=""/>
-        <dsp:cNvSpPr/>
-      </dsp:nvSpPr>
-      <dsp:spPr>
-        <a:xfrm>
-          <a:off x="2967156" y="1853533"/>
-          <a:ext cx="1052006" cy="500659"/>
-        </a:xfrm>
-        <a:custGeom>
-          <a:avLst/>
-          <a:gdLst/>
-          <a:ahLst/>
-          <a:cxnLst/>
-          <a:rect l="0" t="0" r="0" b="0"/>
-          <a:pathLst>
-            <a:path>
-              <a:moveTo>
-                <a:pt x="0" y="0"/>
-              </a:moveTo>
-              <a:lnTo>
-                <a:pt x="0" y="341184"/>
-              </a:lnTo>
-              <a:lnTo>
-                <a:pt x="1052006" y="341184"/>
-              </a:lnTo>
-              <a:lnTo>
-                <a:pt x="1052006" y="500659"/>
-              </a:lnTo>
-            </a:path>
-          </a:pathLst>
-        </a:custGeom>
-        <a:noFill/>
-        <a:ln w="48000" cap="flat" cmpd="thickThin" algn="ctr">
-          <a:solidFill>
-            <a:schemeClr val="accent1">
-              <a:shade val="60000"/>
-              <a:hueOff val="0"/>
-              <a:satOff val="0"/>
-              <a:lumOff val="0"/>
-              <a:alphaOff val="0"/>
-            </a:schemeClr>
-          </a:solidFill>
-          <a:prstDash val="solid"/>
-        </a:ln>
-        <a:effectLst/>
-      </dsp:spPr>
-      <dsp:style>
-        <a:lnRef idx="2">
-          <a:scrgbClr r="0" g="0" b="0"/>
-        </a:lnRef>
-        <a:fillRef idx="0">
-          <a:scrgbClr r="0" g="0" b="0"/>
-        </a:fillRef>
-        <a:effectRef idx="0">
-          <a:scrgbClr r="0" g="0" b="0"/>
-        </a:effectRef>
-        <a:fontRef idx="minor"/>
-      </dsp:style>
-    </dsp:sp>
-    <dsp:sp modelId="{CF427FA8-3EF0-48A3-A4C4-310431E92789}">
-      <dsp:nvSpPr>
-        <dsp:cNvPr id="0" name=""/>
-        <dsp:cNvSpPr/>
-      </dsp:nvSpPr>
-      <dsp:spPr>
-        <a:xfrm>
-          <a:off x="1915150" y="1853533"/>
-          <a:ext cx="1052006" cy="500659"/>
-        </a:xfrm>
-        <a:custGeom>
-          <a:avLst/>
-          <a:gdLst/>
-          <a:ahLst/>
-          <a:cxnLst/>
-          <a:rect l="0" t="0" r="0" b="0"/>
-          <a:pathLst>
-            <a:path>
-              <a:moveTo>
-                <a:pt x="1052006" y="0"/>
-              </a:moveTo>
-              <a:lnTo>
-                <a:pt x="1052006" y="341184"/>
-              </a:lnTo>
-              <a:lnTo>
-                <a:pt x="0" y="341184"/>
-              </a:lnTo>
-              <a:lnTo>
-                <a:pt x="0" y="500659"/>
-              </a:lnTo>
-            </a:path>
-          </a:pathLst>
-        </a:custGeom>
-        <a:noFill/>
-        <a:ln w="48000" cap="flat" cmpd="thickThin" algn="ctr">
-          <a:solidFill>
-            <a:schemeClr val="accent1">
-              <a:shade val="60000"/>
-              <a:hueOff val="0"/>
-              <a:satOff val="0"/>
-              <a:lumOff val="0"/>
-              <a:alphaOff val="0"/>
-            </a:schemeClr>
-          </a:solidFill>
-          <a:prstDash val="solid"/>
-        </a:ln>
-        <a:effectLst/>
-      </dsp:spPr>
-      <dsp:style>
-        <a:lnRef idx="2">
-          <a:scrgbClr r="0" g="0" b="0"/>
-        </a:lnRef>
-        <a:fillRef idx="0">
-          <a:scrgbClr r="0" g="0" b="0"/>
-        </a:fillRef>
-        <a:effectRef idx="0">
-          <a:scrgbClr r="0" g="0" b="0"/>
-        </a:effectRef>
-        <a:fontRef idx="minor"/>
-      </dsp:style>
-    </dsp:sp>
-    <dsp:sp modelId="{AE28BB1F-74E0-45E1-8E46-5B66B073FC01}">
-      <dsp:nvSpPr>
-        <dsp:cNvPr id="0" name=""/>
-        <dsp:cNvSpPr/>
-      </dsp:nvSpPr>
-      <dsp:spPr>
-        <a:xfrm>
-          <a:off x="2411" y="760403"/>
-          <a:ext cx="1721465" cy="1093130"/>
-        </a:xfrm>
-        <a:prstGeom prst="roundRect">
-          <a:avLst>
-            <a:gd name="adj" fmla="val 10000"/>
-          </a:avLst>
-        </a:prstGeom>
-        <a:solidFill>
-          <a:schemeClr val="accent1">
-            <a:hueOff val="0"/>
-            <a:satOff val="0"/>
-            <a:lumOff val="0"/>
-            <a:alphaOff val="0"/>
-          </a:schemeClr>
-        </a:solidFill>
-        <a:ln w="48000" cap="flat" cmpd="thickThin" algn="ctr">
-          <a:solidFill>
-            <a:schemeClr val="lt1">
-              <a:hueOff val="0"/>
-              <a:satOff val="0"/>
-              <a:lumOff val="0"/>
-              <a:alphaOff val="0"/>
-            </a:schemeClr>
-          </a:solidFill>
-          <a:prstDash val="solid"/>
-        </a:ln>
-        <a:effectLst/>
-      </dsp:spPr>
-      <dsp:style>
-        <a:lnRef idx="2">
-          <a:scrgbClr r="0" g="0" b="0"/>
-        </a:lnRef>
-        <a:fillRef idx="1">
-          <a:scrgbClr r="0" g="0" b="0"/>
-        </a:fillRef>
-        <a:effectRef idx="0">
-          <a:scrgbClr r="0" g="0" b="0"/>
-        </a:effectRef>
-        <a:fontRef idx="minor">
-          <a:schemeClr val="lt1"/>
-        </a:fontRef>
-      </dsp:style>
-    </dsp:sp>
-    <dsp:sp modelId="{FB104181-1E5E-4E5E-97DE-3BC2D32C598D}">
-      <dsp:nvSpPr>
-        <dsp:cNvPr id="0" name=""/>
-        <dsp:cNvSpPr/>
-      </dsp:nvSpPr>
-      <dsp:spPr>
-        <a:xfrm>
-          <a:off x="193684" y="942113"/>
-          <a:ext cx="1721465" cy="1093130"/>
-        </a:xfrm>
-        <a:prstGeom prst="roundRect">
-          <a:avLst>
-            <a:gd name="adj" fmla="val 10000"/>
-          </a:avLst>
-        </a:prstGeom>
-        <a:solidFill>
-          <a:schemeClr val="lt1">
-            <a:alpha val="90000"/>
-            <a:hueOff val="0"/>
-            <a:satOff val="0"/>
-            <a:lumOff val="0"/>
-            <a:alphaOff val="0"/>
-          </a:schemeClr>
-        </a:solidFill>
-        <a:ln w="48000" cap="flat" cmpd="thickThin" algn="ctr">
-          <a:solidFill>
-            <a:schemeClr val="accent1">
-              <a:hueOff val="0"/>
-              <a:satOff val="0"/>
-              <a:lumOff val="0"/>
-              <a:alphaOff val="0"/>
-            </a:schemeClr>
-          </a:solidFill>
-          <a:prstDash val="solid"/>
-        </a:ln>
-        <a:effectLst/>
-      </dsp:spPr>
-      <dsp:style>
-        <a:lnRef idx="2">
-          <a:scrgbClr r="0" g="0" b="0"/>
-        </a:lnRef>
-        <a:fillRef idx="1">
-          <a:scrgbClr r="0" g="0" b="0"/>
-        </a:fillRef>
-        <a:effectRef idx="0">
-          <a:scrgbClr r="0" g="0" b="0"/>
-        </a:effectRef>
-        <a:fontRef idx="minor"/>
-      </dsp:style>
-      <dsp:txBody>
-        <a:bodyPr spcFirstLastPara="0" vert="horz" wrap="square" lIns="49530" tIns="49530" rIns="49530" bIns="49530" numCol="1" spcCol="1270" anchor="ctr" anchorCtr="0">
-          <a:noAutofit/>
-        </a:bodyPr>
-        <a:lstStyle/>
-        <a:p>
-          <a:pPr lvl="0" algn="ctr" defTabSz="577850">
-            <a:lnSpc>
-              <a:spcPct val="90000"/>
-            </a:lnSpc>
-            <a:spcBef>
-              <a:spcPct val="0"/>
-            </a:spcBef>
-            <a:spcAft>
-              <a:spcPct val="35000"/>
-            </a:spcAft>
-          </a:pPr>
-          <a:r>
-            <a:rPr lang="en-US" sz="1300" kern="1200" dirty="0" err="1" smtClean="0"/>
-            <a:t>CFormattedTextReader</a:t>
-          </a:r>
-          <a:endParaRPr lang="ru-RU" sz="1300" kern="1200" dirty="0"/>
-        </a:p>
-      </dsp:txBody>
-      <dsp:txXfrm>
-        <a:off x="225701" y="974130"/>
-        <a:ext cx="1657431" cy="1029096"/>
-      </dsp:txXfrm>
-    </dsp:sp>
-    <dsp:sp modelId="{1259A7C4-01FD-477A-A25B-700352CB8D83}">
-      <dsp:nvSpPr>
-        <dsp:cNvPr id="0" name=""/>
-        <dsp:cNvSpPr/>
-      </dsp:nvSpPr>
-      <dsp:spPr>
-        <a:xfrm>
-          <a:off x="2106423" y="760403"/>
-          <a:ext cx="1721465" cy="1093130"/>
-        </a:xfrm>
-        <a:prstGeom prst="roundRect">
-          <a:avLst>
-            <a:gd name="adj" fmla="val 10000"/>
-          </a:avLst>
-        </a:prstGeom>
-        <a:solidFill>
-          <a:schemeClr val="accent1">
-            <a:hueOff val="0"/>
-            <a:satOff val="0"/>
-            <a:lumOff val="0"/>
-            <a:alphaOff val="0"/>
-          </a:schemeClr>
-        </a:solidFill>
-        <a:ln w="48000" cap="flat" cmpd="thickThin" algn="ctr">
-          <a:solidFill>
-            <a:schemeClr val="lt1">
-              <a:hueOff val="0"/>
-              <a:satOff val="0"/>
-              <a:lumOff val="0"/>
-              <a:alphaOff val="0"/>
-            </a:schemeClr>
-          </a:solidFill>
-          <a:prstDash val="solid"/>
-        </a:ln>
-        <a:effectLst/>
-      </dsp:spPr>
-      <dsp:style>
-        <a:lnRef idx="2">
-          <a:scrgbClr r="0" g="0" b="0"/>
-        </a:lnRef>
-        <a:fillRef idx="1">
-          <a:scrgbClr r="0" g="0" b="0"/>
-        </a:fillRef>
-        <a:effectRef idx="0">
-          <a:scrgbClr r="0" g="0" b="0"/>
-        </a:effectRef>
-        <a:fontRef idx="minor">
-          <a:schemeClr val="lt1"/>
-        </a:fontRef>
-      </dsp:style>
-    </dsp:sp>
-    <dsp:sp modelId="{B67A0E93-498E-4375-883A-8D5E6784A9AA}">
-      <dsp:nvSpPr>
-        <dsp:cNvPr id="0" name=""/>
-        <dsp:cNvSpPr/>
-      </dsp:nvSpPr>
-      <dsp:spPr>
-        <a:xfrm>
-          <a:off x="2297697" y="942113"/>
-          <a:ext cx="1721465" cy="1093130"/>
-        </a:xfrm>
-        <a:prstGeom prst="roundRect">
-          <a:avLst>
-            <a:gd name="adj" fmla="val 10000"/>
-          </a:avLst>
-        </a:prstGeom>
-        <a:solidFill>
-          <a:schemeClr val="lt1">
-            <a:alpha val="90000"/>
-            <a:hueOff val="0"/>
-            <a:satOff val="0"/>
-            <a:lumOff val="0"/>
-            <a:alphaOff val="0"/>
-          </a:schemeClr>
-        </a:solidFill>
-        <a:ln w="48000" cap="flat" cmpd="thickThin" algn="ctr">
-          <a:solidFill>
-            <a:schemeClr val="accent1">
-              <a:hueOff val="0"/>
-              <a:satOff val="0"/>
-              <a:lumOff val="0"/>
-              <a:alphaOff val="0"/>
-            </a:schemeClr>
-          </a:solidFill>
-          <a:prstDash val="solid"/>
-        </a:ln>
-        <a:effectLst/>
-      </dsp:spPr>
-      <dsp:style>
-        <a:lnRef idx="2">
-          <a:scrgbClr r="0" g="0" b="0"/>
-        </a:lnRef>
-        <a:fillRef idx="1">
-          <a:scrgbClr r="0" g="0" b="0"/>
-        </a:fillRef>
-        <a:effectRef idx="0">
-          <a:scrgbClr r="0" g="0" b="0"/>
-        </a:effectRef>
-        <a:fontRef idx="minor"/>
-      </dsp:style>
-      <dsp:txBody>
-        <a:bodyPr spcFirstLastPara="0" vert="horz" wrap="square" lIns="49530" tIns="49530" rIns="49530" bIns="49530" numCol="1" spcCol="1270" anchor="ctr" anchorCtr="0">
-          <a:noAutofit/>
-        </a:bodyPr>
-        <a:lstStyle/>
-        <a:p>
-          <a:pPr lvl="0" algn="ctr" defTabSz="577850">
-            <a:lnSpc>
-              <a:spcPct val="90000"/>
-            </a:lnSpc>
-            <a:spcBef>
-              <a:spcPct val="0"/>
-            </a:spcBef>
-            <a:spcAft>
-              <a:spcPct val="35000"/>
-            </a:spcAft>
-          </a:pPr>
-          <a:r>
-            <a:rPr lang="en-US" sz="1300" kern="1200" smtClean="0"/>
-            <a:t>CTextConverter</a:t>
-          </a:r>
-          <a:endParaRPr lang="ru-RU" sz="1300" kern="1200" dirty="0"/>
-        </a:p>
-      </dsp:txBody>
-      <dsp:txXfrm>
-        <a:off x="2329714" y="974130"/>
-        <a:ext cx="1657431" cy="1029096"/>
-      </dsp:txXfrm>
-    </dsp:sp>
-    <dsp:sp modelId="{86BB6F11-BD73-4C0B-8642-6848E4637150}">
-      <dsp:nvSpPr>
-        <dsp:cNvPr id="0" name=""/>
-        <dsp:cNvSpPr/>
-      </dsp:nvSpPr>
-      <dsp:spPr>
-        <a:xfrm>
-          <a:off x="1054417" y="2354193"/>
-          <a:ext cx="1721465" cy="1093130"/>
-        </a:xfrm>
-        <a:prstGeom prst="roundRect">
-          <a:avLst>
-            <a:gd name="adj" fmla="val 10000"/>
-          </a:avLst>
-        </a:prstGeom>
-        <a:solidFill>
-          <a:schemeClr val="accent1">
-            <a:hueOff val="0"/>
-            <a:satOff val="0"/>
-            <a:lumOff val="0"/>
-            <a:alphaOff val="0"/>
-          </a:schemeClr>
-        </a:solidFill>
-        <a:ln w="48000" cap="flat" cmpd="thickThin" algn="ctr">
-          <a:solidFill>
-            <a:schemeClr val="lt1">
-              <a:hueOff val="0"/>
-              <a:satOff val="0"/>
-              <a:lumOff val="0"/>
-              <a:alphaOff val="0"/>
-            </a:schemeClr>
-          </a:solidFill>
-          <a:prstDash val="solid"/>
-        </a:ln>
-        <a:effectLst/>
-      </dsp:spPr>
-      <dsp:style>
-        <a:lnRef idx="2">
-          <a:scrgbClr r="0" g="0" b="0"/>
-        </a:lnRef>
-        <a:fillRef idx="1">
-          <a:scrgbClr r="0" g="0" b="0"/>
-        </a:fillRef>
-        <a:effectRef idx="0">
-          <a:scrgbClr r="0" g="0" b="0"/>
-        </a:effectRef>
-        <a:fontRef idx="minor">
-          <a:schemeClr val="lt1"/>
-        </a:fontRef>
-      </dsp:style>
-    </dsp:sp>
-    <dsp:sp modelId="{35F5EB30-8A86-49DF-B88D-847F1790A7B0}">
-      <dsp:nvSpPr>
-        <dsp:cNvPr id="0" name=""/>
-        <dsp:cNvSpPr/>
-      </dsp:nvSpPr>
-      <dsp:spPr>
-        <a:xfrm>
-          <a:off x="1245691" y="2535903"/>
-          <a:ext cx="1721465" cy="1093130"/>
-        </a:xfrm>
-        <a:prstGeom prst="roundRect">
-          <a:avLst>
-            <a:gd name="adj" fmla="val 10000"/>
-          </a:avLst>
-        </a:prstGeom>
-        <a:solidFill>
-          <a:schemeClr val="lt1">
-            <a:alpha val="90000"/>
-            <a:hueOff val="0"/>
-            <a:satOff val="0"/>
-            <a:lumOff val="0"/>
-            <a:alphaOff val="0"/>
-          </a:schemeClr>
-        </a:solidFill>
-        <a:ln w="48000" cap="flat" cmpd="thickThin" algn="ctr">
-          <a:solidFill>
-            <a:schemeClr val="accent1">
-              <a:hueOff val="0"/>
-              <a:satOff val="0"/>
-              <a:lumOff val="0"/>
-              <a:alphaOff val="0"/>
-            </a:schemeClr>
-          </a:solidFill>
-          <a:prstDash val="solid"/>
-        </a:ln>
-        <a:effectLst/>
-      </dsp:spPr>
-      <dsp:style>
-        <a:lnRef idx="2">
-          <a:scrgbClr r="0" g="0" b="0"/>
-        </a:lnRef>
-        <a:fillRef idx="1">
-          <a:scrgbClr r="0" g="0" b="0"/>
-        </a:fillRef>
-        <a:effectRef idx="0">
-          <a:scrgbClr r="0" g="0" b="0"/>
-        </a:effectRef>
-        <a:fontRef idx="minor"/>
-      </dsp:style>
-      <dsp:txBody>
-        <a:bodyPr spcFirstLastPara="0" vert="horz" wrap="square" lIns="49530" tIns="49530" rIns="49530" bIns="49530" numCol="1" spcCol="1270" anchor="ctr" anchorCtr="0">
-          <a:noAutofit/>
-        </a:bodyPr>
-        <a:lstStyle/>
-        <a:p>
-          <a:pPr lvl="0" algn="ctr" defTabSz="577850">
-            <a:lnSpc>
-              <a:spcPct val="90000"/>
-            </a:lnSpc>
-            <a:spcBef>
-              <a:spcPct val="0"/>
-            </a:spcBef>
-            <a:spcAft>
-              <a:spcPct val="35000"/>
-            </a:spcAft>
-          </a:pPr>
-          <a:r>
-            <a:rPr lang="en-US" sz="1300" kern="1200" dirty="0" err="1" smtClean="0"/>
-            <a:t>CPDFConverter</a:t>
-          </a:r>
-          <a:endParaRPr lang="ru-RU" sz="1300" kern="1200" dirty="0"/>
-        </a:p>
-      </dsp:txBody>
-      <dsp:txXfrm>
-        <a:off x="1277708" y="2567920"/>
-        <a:ext cx="1657431" cy="1029096"/>
-      </dsp:txXfrm>
-    </dsp:sp>
-    <dsp:sp modelId="{2A3ED077-9E8B-4701-B586-B9A836F33924}">
-      <dsp:nvSpPr>
-        <dsp:cNvPr id="0" name=""/>
-        <dsp:cNvSpPr/>
-      </dsp:nvSpPr>
-      <dsp:spPr>
-        <a:xfrm>
-          <a:off x="3158430" y="2354193"/>
-          <a:ext cx="1721465" cy="1093130"/>
-        </a:xfrm>
-        <a:prstGeom prst="roundRect">
-          <a:avLst>
-            <a:gd name="adj" fmla="val 10000"/>
-          </a:avLst>
-        </a:prstGeom>
-        <a:solidFill>
-          <a:schemeClr val="accent1">
-            <a:hueOff val="0"/>
-            <a:satOff val="0"/>
-            <a:lumOff val="0"/>
-            <a:alphaOff val="0"/>
-          </a:schemeClr>
-        </a:solidFill>
-        <a:ln w="48000" cap="flat" cmpd="thickThin" algn="ctr">
-          <a:solidFill>
-            <a:schemeClr val="lt1">
-              <a:hueOff val="0"/>
-              <a:satOff val="0"/>
-              <a:lumOff val="0"/>
-              <a:alphaOff val="0"/>
-            </a:schemeClr>
-          </a:solidFill>
-          <a:prstDash val="solid"/>
-        </a:ln>
-        <a:effectLst/>
-      </dsp:spPr>
-      <dsp:style>
-        <a:lnRef idx="2">
-          <a:scrgbClr r="0" g="0" b="0"/>
-        </a:lnRef>
-        <a:fillRef idx="1">
-          <a:scrgbClr r="0" g="0" b="0"/>
-        </a:fillRef>
-        <a:effectRef idx="0">
-          <a:scrgbClr r="0" g="0" b="0"/>
-        </a:effectRef>
-        <a:fontRef idx="minor">
-          <a:schemeClr val="lt1"/>
-        </a:fontRef>
-      </dsp:style>
-    </dsp:sp>
-    <dsp:sp modelId="{04813C26-7E72-4615-9E3E-AC927971786D}">
-      <dsp:nvSpPr>
-        <dsp:cNvPr id="0" name=""/>
-        <dsp:cNvSpPr/>
-      </dsp:nvSpPr>
-      <dsp:spPr>
-        <a:xfrm>
-          <a:off x="3349704" y="2535903"/>
-          <a:ext cx="1721465" cy="1093130"/>
-        </a:xfrm>
-        <a:prstGeom prst="roundRect">
-          <a:avLst>
-            <a:gd name="adj" fmla="val 10000"/>
-          </a:avLst>
-        </a:prstGeom>
-        <a:solidFill>
-          <a:schemeClr val="lt1">
-            <a:alpha val="90000"/>
-            <a:hueOff val="0"/>
-            <a:satOff val="0"/>
-            <a:lumOff val="0"/>
-            <a:alphaOff val="0"/>
-          </a:schemeClr>
-        </a:solidFill>
-        <a:ln w="48000" cap="flat" cmpd="thickThin" algn="ctr">
-          <a:solidFill>
-            <a:schemeClr val="accent1">
-              <a:hueOff val="0"/>
-              <a:satOff val="0"/>
-              <a:lumOff val="0"/>
-              <a:alphaOff val="0"/>
-            </a:schemeClr>
-          </a:solidFill>
-          <a:prstDash val="solid"/>
-        </a:ln>
-        <a:effectLst/>
-      </dsp:spPr>
-      <dsp:style>
-        <a:lnRef idx="2">
-          <a:scrgbClr r="0" g="0" b="0"/>
-        </a:lnRef>
-        <a:fillRef idx="1">
-          <a:scrgbClr r="0" g="0" b="0"/>
-        </a:fillRef>
-        <a:effectRef idx="0">
-          <a:scrgbClr r="0" g="0" b="0"/>
-        </a:effectRef>
-        <a:fontRef idx="minor"/>
-      </dsp:style>
-      <dsp:txBody>
-        <a:bodyPr spcFirstLastPara="0" vert="horz" wrap="square" lIns="49530" tIns="49530" rIns="49530" bIns="49530" numCol="1" spcCol="1270" anchor="ctr" anchorCtr="0">
-          <a:noAutofit/>
-        </a:bodyPr>
-        <a:lstStyle/>
-        <a:p>
-          <a:pPr lvl="0" algn="ctr" defTabSz="577850">
-            <a:lnSpc>
-              <a:spcPct val="90000"/>
-            </a:lnSpc>
-            <a:spcBef>
-              <a:spcPct val="0"/>
-            </a:spcBef>
-            <a:spcAft>
-              <a:spcPct val="35000"/>
-            </a:spcAft>
-          </a:pPr>
-          <a:r>
-            <a:rPr lang="en-US" sz="1300" kern="1200" dirty="0" err="1" smtClean="0"/>
-            <a:t>CPlainTextConverter</a:t>
-          </a:r>
-          <a:endParaRPr lang="ru-RU" sz="1300" kern="1200" dirty="0"/>
-        </a:p>
-      </dsp:txBody>
-      <dsp:txXfrm>
-        <a:off x="3381721" y="2567920"/>
-        <a:ext cx="1657431" cy="1029096"/>
-      </dsp:txXfrm>
-    </dsp:sp>
-    <dsp:sp modelId="{5DA3F922-3784-4A58-B544-C9D43962B33A}">
-      <dsp:nvSpPr>
-        <dsp:cNvPr id="0" name=""/>
-        <dsp:cNvSpPr/>
-      </dsp:nvSpPr>
-      <dsp:spPr>
-        <a:xfrm>
-          <a:off x="4210436" y="760403"/>
-          <a:ext cx="1721465" cy="1093130"/>
-        </a:xfrm>
-        <a:prstGeom prst="roundRect">
-          <a:avLst>
-            <a:gd name="adj" fmla="val 10000"/>
-          </a:avLst>
-        </a:prstGeom>
-        <a:solidFill>
-          <a:schemeClr val="accent1">
-            <a:hueOff val="0"/>
-            <a:satOff val="0"/>
-            <a:lumOff val="0"/>
-            <a:alphaOff val="0"/>
-          </a:schemeClr>
-        </a:solidFill>
-        <a:ln w="48000" cap="flat" cmpd="thickThin" algn="ctr">
-          <a:solidFill>
-            <a:schemeClr val="lt1">
-              <a:hueOff val="0"/>
-              <a:satOff val="0"/>
-              <a:lumOff val="0"/>
-              <a:alphaOff val="0"/>
-            </a:schemeClr>
-          </a:solidFill>
-          <a:prstDash val="solid"/>
-        </a:ln>
-        <a:effectLst/>
-      </dsp:spPr>
-      <dsp:style>
-        <a:lnRef idx="2">
-          <a:scrgbClr r="0" g="0" b="0"/>
-        </a:lnRef>
-        <a:fillRef idx="1">
-          <a:scrgbClr r="0" g="0" b="0"/>
-        </a:fillRef>
-        <a:effectRef idx="0">
-          <a:scrgbClr r="0" g="0" b="0"/>
-        </a:effectRef>
-        <a:fontRef idx="minor">
-          <a:schemeClr val="lt1"/>
-        </a:fontRef>
-      </dsp:style>
-    </dsp:sp>
-    <dsp:sp modelId="{6F30C356-F2CC-444C-86D9-98093E5EE7D2}">
-      <dsp:nvSpPr>
-        <dsp:cNvPr id="0" name=""/>
-        <dsp:cNvSpPr/>
-      </dsp:nvSpPr>
-      <dsp:spPr>
-        <a:xfrm>
-          <a:off x="4401710" y="942113"/>
-          <a:ext cx="1721465" cy="1093130"/>
-        </a:xfrm>
-        <a:prstGeom prst="roundRect">
-          <a:avLst>
-            <a:gd name="adj" fmla="val 10000"/>
-          </a:avLst>
-        </a:prstGeom>
-        <a:solidFill>
-          <a:schemeClr val="lt1">
-            <a:alpha val="90000"/>
-            <a:hueOff val="0"/>
-            <a:satOff val="0"/>
-            <a:lumOff val="0"/>
-            <a:alphaOff val="0"/>
-          </a:schemeClr>
-        </a:solidFill>
-        <a:ln w="48000" cap="flat" cmpd="thickThin" algn="ctr">
-          <a:solidFill>
-            <a:schemeClr val="accent1">
-              <a:hueOff val="0"/>
-              <a:satOff val="0"/>
-              <a:lumOff val="0"/>
-              <a:alphaOff val="0"/>
-            </a:schemeClr>
-          </a:solidFill>
-          <a:prstDash val="solid"/>
-        </a:ln>
-        <a:effectLst/>
-      </dsp:spPr>
-      <dsp:style>
-        <a:lnRef idx="2">
-          <a:scrgbClr r="0" g="0" b="0"/>
-        </a:lnRef>
-        <a:fillRef idx="1">
-          <a:scrgbClr r="0" g="0" b="0"/>
-        </a:fillRef>
-        <a:effectRef idx="0">
-          <a:scrgbClr r="0" g="0" b="0"/>
-        </a:effectRef>
-        <a:fontRef idx="minor"/>
-      </dsp:style>
-      <dsp:txBody>
-        <a:bodyPr spcFirstLastPara="0" vert="horz" wrap="square" lIns="49530" tIns="49530" rIns="49530" bIns="49530" numCol="1" spcCol="1270" anchor="ctr" anchorCtr="0">
-          <a:noAutofit/>
-        </a:bodyPr>
-        <a:lstStyle/>
-        <a:p>
-          <a:pPr lvl="0" algn="ctr" defTabSz="577850">
-            <a:lnSpc>
-              <a:spcPct val="90000"/>
-            </a:lnSpc>
-            <a:spcBef>
-              <a:spcPct val="0"/>
-            </a:spcBef>
-            <a:spcAft>
-              <a:spcPct val="35000"/>
-            </a:spcAft>
-          </a:pPr>
-          <a:r>
-            <a:rPr lang="en-US" sz="1300" kern="1200" dirty="0" err="1" smtClean="0"/>
-            <a:t>CPDFDocument</a:t>
-          </a:r>
-          <a:endParaRPr lang="ru-RU" sz="1300" kern="1200" dirty="0"/>
-        </a:p>
-      </dsp:txBody>
-      <dsp:txXfrm>
-        <a:off x="4433727" y="974130"/>
-        <a:ext cx="1657431" cy="1029096"/>
-      </dsp:txXfrm>
-    </dsp:sp>
-    <dsp:sp modelId="{5B5D8880-7776-4406-A101-906DE4BEA708}">
-      <dsp:nvSpPr>
-        <dsp:cNvPr id="0" name=""/>
-        <dsp:cNvSpPr/>
-      </dsp:nvSpPr>
-      <dsp:spPr>
-        <a:xfrm>
-          <a:off x="6314449" y="760403"/>
-          <a:ext cx="1721465" cy="1093130"/>
-        </a:xfrm>
-        <a:prstGeom prst="roundRect">
-          <a:avLst>
-            <a:gd name="adj" fmla="val 10000"/>
-          </a:avLst>
-        </a:prstGeom>
-        <a:solidFill>
-          <a:schemeClr val="accent1">
-            <a:hueOff val="0"/>
-            <a:satOff val="0"/>
-            <a:lumOff val="0"/>
-            <a:alphaOff val="0"/>
-          </a:schemeClr>
-        </a:solidFill>
-        <a:ln w="48000" cap="flat" cmpd="thickThin" algn="ctr">
-          <a:solidFill>
-            <a:schemeClr val="lt1">
-              <a:hueOff val="0"/>
-              <a:satOff val="0"/>
-              <a:lumOff val="0"/>
-              <a:alphaOff val="0"/>
-            </a:schemeClr>
-          </a:solidFill>
-          <a:prstDash val="solid"/>
-        </a:ln>
-        <a:effectLst/>
-      </dsp:spPr>
-      <dsp:style>
-        <a:lnRef idx="2">
-          <a:scrgbClr r="0" g="0" b="0"/>
-        </a:lnRef>
-        <a:fillRef idx="1">
-          <a:scrgbClr r="0" g="0" b="0"/>
-        </a:fillRef>
-        <a:effectRef idx="0">
-          <a:scrgbClr r="0" g="0" b="0"/>
-        </a:effectRef>
-        <a:fontRef idx="minor">
-          <a:schemeClr val="lt1"/>
-        </a:fontRef>
-      </dsp:style>
-    </dsp:sp>
-    <dsp:sp modelId="{378A0513-42E4-4CBB-ADE9-BD51F7D428EA}">
-      <dsp:nvSpPr>
-        <dsp:cNvPr id="0" name=""/>
-        <dsp:cNvSpPr/>
-      </dsp:nvSpPr>
-      <dsp:spPr>
-        <a:xfrm>
-          <a:off x="6505723" y="942113"/>
-          <a:ext cx="1721465" cy="1093130"/>
-        </a:xfrm>
-        <a:prstGeom prst="roundRect">
-          <a:avLst>
-            <a:gd name="adj" fmla="val 10000"/>
-          </a:avLst>
-        </a:prstGeom>
-        <a:solidFill>
-          <a:schemeClr val="lt1">
-            <a:alpha val="90000"/>
-            <a:hueOff val="0"/>
-            <a:satOff val="0"/>
-            <a:lumOff val="0"/>
-            <a:alphaOff val="0"/>
-          </a:schemeClr>
-        </a:solidFill>
-        <a:ln w="48000" cap="flat" cmpd="thickThin" algn="ctr">
-          <a:solidFill>
-            <a:schemeClr val="accent1">
-              <a:hueOff val="0"/>
-              <a:satOff val="0"/>
-              <a:lumOff val="0"/>
-              <a:alphaOff val="0"/>
-            </a:schemeClr>
-          </a:solidFill>
-          <a:prstDash val="solid"/>
-        </a:ln>
-        <a:effectLst/>
-      </dsp:spPr>
-      <dsp:style>
-        <a:lnRef idx="2">
-          <a:scrgbClr r="0" g="0" b="0"/>
-        </a:lnRef>
-        <a:fillRef idx="1">
-          <a:scrgbClr r="0" g="0" b="0"/>
-        </a:fillRef>
-        <a:effectRef idx="0">
-          <a:scrgbClr r="0" g="0" b="0"/>
-        </a:effectRef>
-        <a:fontRef idx="minor"/>
-      </dsp:style>
-      <dsp:txBody>
-        <a:bodyPr spcFirstLastPara="0" vert="horz" wrap="square" lIns="49530" tIns="49530" rIns="49530" bIns="49530" numCol="1" spcCol="1270" anchor="ctr" anchorCtr="0">
-          <a:noAutofit/>
-        </a:bodyPr>
-        <a:lstStyle/>
-        <a:p>
-          <a:pPr lvl="0" algn="ctr" defTabSz="577850">
-            <a:lnSpc>
-              <a:spcPct val="90000"/>
-            </a:lnSpc>
-            <a:spcBef>
-              <a:spcPct val="0"/>
-            </a:spcBef>
-            <a:spcAft>
-              <a:spcPct val="35000"/>
-            </a:spcAft>
-          </a:pPr>
-          <a:r>
-            <a:rPr lang="en-US" sz="1300" kern="1200" dirty="0" err="1" smtClean="0"/>
-            <a:t>CPlainText</a:t>
-          </a:r>
-          <a:endParaRPr lang="ru-RU" sz="1300" kern="1200" dirty="0"/>
-        </a:p>
-      </dsp:txBody>
-      <dsp:txXfrm>
-        <a:off x="6537740" y="974130"/>
-        <a:ext cx="1657431" cy="1029096"/>
-      </dsp:txXfrm>
-    </dsp:sp>
   </dsp:spTree>
 </dsp:drawing>
 </file>
@@ -8907,12 +8011,8 @@
           <a:lstStyle/>
           <a:p>
             <a:r>
-              <a:rPr lang="ru-RU" dirty="0"/>
-              <a:t>Прототип </a:t>
-            </a:r>
-            <a:r>
-              <a:rPr lang="en-US" dirty="0"/>
-              <a:t>(Prototype)</a:t>
+              <a:rPr lang="ru-RU" smtClean="0"/>
+              <a:t>Строитель</a:t>
             </a:r>
             <a:endParaRPr lang="ru-RU" dirty="0"/>
           </a:p>
@@ -8935,11 +8035,15 @@
           <a:p>
             <a:r>
               <a:rPr lang="ru-RU" dirty="0"/>
-              <a:t>Лекция 1</a:t>
+              <a:t>Лекция </a:t>
+            </a:r>
+            <a:r>
+              <a:rPr lang="ru-RU" dirty="0" smtClean="0"/>
+              <a:t>1</a:t>
             </a:r>
             <a:r>
               <a:rPr lang="en-US" dirty="0"/>
-              <a:t>4</a:t>
+              <a:t>5</a:t>
             </a:r>
             <a:endParaRPr lang="ru-RU" dirty="0"/>
           </a:p>

--- a/lectures/15.builder/builder.pptx
+++ b/lectures/15.builder/builder.pptx
@@ -1418,6 +1418,902 @@
       <dsp:cNvGrpSpPr/>
     </dsp:nvGrpSpPr>
     <dsp:grpSpPr/>
+    <dsp:sp modelId="{9D6FB206-1EB8-4A4B-9A9F-68F2FEF60BD9}">
+      <dsp:nvSpPr>
+        <dsp:cNvPr id="0" name=""/>
+        <dsp:cNvSpPr/>
+      </dsp:nvSpPr>
+      <dsp:spPr>
+        <a:xfrm>
+          <a:off x="2967156" y="1853533"/>
+          <a:ext cx="1052006" cy="500659"/>
+        </a:xfrm>
+        <a:custGeom>
+          <a:avLst/>
+          <a:gdLst/>
+          <a:ahLst/>
+          <a:cxnLst/>
+          <a:rect l="0" t="0" r="0" b="0"/>
+          <a:pathLst>
+            <a:path>
+              <a:moveTo>
+                <a:pt x="0" y="0"/>
+              </a:moveTo>
+              <a:lnTo>
+                <a:pt x="0" y="341184"/>
+              </a:lnTo>
+              <a:lnTo>
+                <a:pt x="1052006" y="341184"/>
+              </a:lnTo>
+              <a:lnTo>
+                <a:pt x="1052006" y="500659"/>
+              </a:lnTo>
+            </a:path>
+          </a:pathLst>
+        </a:custGeom>
+        <a:noFill/>
+        <a:ln w="48000" cap="flat" cmpd="thickThin" algn="ctr">
+          <a:solidFill>
+            <a:schemeClr val="accent1">
+              <a:shade val="60000"/>
+              <a:hueOff val="0"/>
+              <a:satOff val="0"/>
+              <a:lumOff val="0"/>
+              <a:alphaOff val="0"/>
+            </a:schemeClr>
+          </a:solidFill>
+          <a:prstDash val="solid"/>
+        </a:ln>
+        <a:effectLst/>
+      </dsp:spPr>
+      <dsp:style>
+        <a:lnRef idx="2">
+          <a:scrgbClr r="0" g="0" b="0"/>
+        </a:lnRef>
+        <a:fillRef idx="0">
+          <a:scrgbClr r="0" g="0" b="0"/>
+        </a:fillRef>
+        <a:effectRef idx="0">
+          <a:scrgbClr r="0" g="0" b="0"/>
+        </a:effectRef>
+        <a:fontRef idx="minor"/>
+      </dsp:style>
+    </dsp:sp>
+    <dsp:sp modelId="{CF427FA8-3EF0-48A3-A4C4-310431E92789}">
+      <dsp:nvSpPr>
+        <dsp:cNvPr id="0" name=""/>
+        <dsp:cNvSpPr/>
+      </dsp:nvSpPr>
+      <dsp:spPr>
+        <a:xfrm>
+          <a:off x="1915150" y="1853533"/>
+          <a:ext cx="1052006" cy="500659"/>
+        </a:xfrm>
+        <a:custGeom>
+          <a:avLst/>
+          <a:gdLst/>
+          <a:ahLst/>
+          <a:cxnLst/>
+          <a:rect l="0" t="0" r="0" b="0"/>
+          <a:pathLst>
+            <a:path>
+              <a:moveTo>
+                <a:pt x="1052006" y="0"/>
+              </a:moveTo>
+              <a:lnTo>
+                <a:pt x="1052006" y="341184"/>
+              </a:lnTo>
+              <a:lnTo>
+                <a:pt x="0" y="341184"/>
+              </a:lnTo>
+              <a:lnTo>
+                <a:pt x="0" y="500659"/>
+              </a:lnTo>
+            </a:path>
+          </a:pathLst>
+        </a:custGeom>
+        <a:noFill/>
+        <a:ln w="48000" cap="flat" cmpd="thickThin" algn="ctr">
+          <a:solidFill>
+            <a:schemeClr val="accent1">
+              <a:shade val="60000"/>
+              <a:hueOff val="0"/>
+              <a:satOff val="0"/>
+              <a:lumOff val="0"/>
+              <a:alphaOff val="0"/>
+            </a:schemeClr>
+          </a:solidFill>
+          <a:prstDash val="solid"/>
+        </a:ln>
+        <a:effectLst/>
+      </dsp:spPr>
+      <dsp:style>
+        <a:lnRef idx="2">
+          <a:scrgbClr r="0" g="0" b="0"/>
+        </a:lnRef>
+        <a:fillRef idx="0">
+          <a:scrgbClr r="0" g="0" b="0"/>
+        </a:fillRef>
+        <a:effectRef idx="0">
+          <a:scrgbClr r="0" g="0" b="0"/>
+        </a:effectRef>
+        <a:fontRef idx="minor"/>
+      </dsp:style>
+    </dsp:sp>
+    <dsp:sp modelId="{AE28BB1F-74E0-45E1-8E46-5B66B073FC01}">
+      <dsp:nvSpPr>
+        <dsp:cNvPr id="0" name=""/>
+        <dsp:cNvSpPr/>
+      </dsp:nvSpPr>
+      <dsp:spPr>
+        <a:xfrm>
+          <a:off x="2411" y="760403"/>
+          <a:ext cx="1721465" cy="1093130"/>
+        </a:xfrm>
+        <a:prstGeom prst="roundRect">
+          <a:avLst>
+            <a:gd name="adj" fmla="val 10000"/>
+          </a:avLst>
+        </a:prstGeom>
+        <a:solidFill>
+          <a:schemeClr val="accent1">
+            <a:hueOff val="0"/>
+            <a:satOff val="0"/>
+            <a:lumOff val="0"/>
+            <a:alphaOff val="0"/>
+          </a:schemeClr>
+        </a:solidFill>
+        <a:ln w="48000" cap="flat" cmpd="thickThin" algn="ctr">
+          <a:solidFill>
+            <a:schemeClr val="lt1">
+              <a:hueOff val="0"/>
+              <a:satOff val="0"/>
+              <a:lumOff val="0"/>
+              <a:alphaOff val="0"/>
+            </a:schemeClr>
+          </a:solidFill>
+          <a:prstDash val="solid"/>
+        </a:ln>
+        <a:effectLst/>
+      </dsp:spPr>
+      <dsp:style>
+        <a:lnRef idx="2">
+          <a:scrgbClr r="0" g="0" b="0"/>
+        </a:lnRef>
+        <a:fillRef idx="1">
+          <a:scrgbClr r="0" g="0" b="0"/>
+        </a:fillRef>
+        <a:effectRef idx="0">
+          <a:scrgbClr r="0" g="0" b="0"/>
+        </a:effectRef>
+        <a:fontRef idx="minor">
+          <a:schemeClr val="lt1"/>
+        </a:fontRef>
+      </dsp:style>
+    </dsp:sp>
+    <dsp:sp modelId="{FB104181-1E5E-4E5E-97DE-3BC2D32C598D}">
+      <dsp:nvSpPr>
+        <dsp:cNvPr id="0" name=""/>
+        <dsp:cNvSpPr/>
+      </dsp:nvSpPr>
+      <dsp:spPr>
+        <a:xfrm>
+          <a:off x="193684" y="942113"/>
+          <a:ext cx="1721465" cy="1093130"/>
+        </a:xfrm>
+        <a:prstGeom prst="roundRect">
+          <a:avLst>
+            <a:gd name="adj" fmla="val 10000"/>
+          </a:avLst>
+        </a:prstGeom>
+        <a:solidFill>
+          <a:schemeClr val="lt1">
+            <a:alpha val="90000"/>
+            <a:hueOff val="0"/>
+            <a:satOff val="0"/>
+            <a:lumOff val="0"/>
+            <a:alphaOff val="0"/>
+          </a:schemeClr>
+        </a:solidFill>
+        <a:ln w="48000" cap="flat" cmpd="thickThin" algn="ctr">
+          <a:solidFill>
+            <a:schemeClr val="accent1">
+              <a:hueOff val="0"/>
+              <a:satOff val="0"/>
+              <a:lumOff val="0"/>
+              <a:alphaOff val="0"/>
+            </a:schemeClr>
+          </a:solidFill>
+          <a:prstDash val="solid"/>
+        </a:ln>
+        <a:effectLst/>
+      </dsp:spPr>
+      <dsp:style>
+        <a:lnRef idx="2">
+          <a:scrgbClr r="0" g="0" b="0"/>
+        </a:lnRef>
+        <a:fillRef idx="1">
+          <a:scrgbClr r="0" g="0" b="0"/>
+        </a:fillRef>
+        <a:effectRef idx="0">
+          <a:scrgbClr r="0" g="0" b="0"/>
+        </a:effectRef>
+        <a:fontRef idx="minor"/>
+      </dsp:style>
+      <dsp:txBody>
+        <a:bodyPr spcFirstLastPara="0" vert="horz" wrap="square" lIns="49530" tIns="49530" rIns="49530" bIns="49530" numCol="1" spcCol="1270" anchor="ctr" anchorCtr="0">
+          <a:noAutofit/>
+        </a:bodyPr>
+        <a:lstStyle/>
+        <a:p>
+          <a:pPr lvl="0" algn="ctr" defTabSz="577850">
+            <a:lnSpc>
+              <a:spcPct val="90000"/>
+            </a:lnSpc>
+            <a:spcBef>
+              <a:spcPct val="0"/>
+            </a:spcBef>
+            <a:spcAft>
+              <a:spcPct val="35000"/>
+            </a:spcAft>
+          </a:pPr>
+          <a:r>
+            <a:rPr lang="en-US" sz="1300" kern="1200" dirty="0" err="1" smtClean="0"/>
+            <a:t>CFormattedTextReader</a:t>
+          </a:r>
+          <a:endParaRPr lang="ru-RU" sz="1300" kern="1200" dirty="0"/>
+        </a:p>
+      </dsp:txBody>
+      <dsp:txXfrm>
+        <a:off x="225701" y="974130"/>
+        <a:ext cx="1657431" cy="1029096"/>
+      </dsp:txXfrm>
+    </dsp:sp>
+    <dsp:sp modelId="{1259A7C4-01FD-477A-A25B-700352CB8D83}">
+      <dsp:nvSpPr>
+        <dsp:cNvPr id="0" name=""/>
+        <dsp:cNvSpPr/>
+      </dsp:nvSpPr>
+      <dsp:spPr>
+        <a:xfrm>
+          <a:off x="2106423" y="760403"/>
+          <a:ext cx="1721465" cy="1093130"/>
+        </a:xfrm>
+        <a:prstGeom prst="roundRect">
+          <a:avLst>
+            <a:gd name="adj" fmla="val 10000"/>
+          </a:avLst>
+        </a:prstGeom>
+        <a:solidFill>
+          <a:schemeClr val="accent1">
+            <a:hueOff val="0"/>
+            <a:satOff val="0"/>
+            <a:lumOff val="0"/>
+            <a:alphaOff val="0"/>
+          </a:schemeClr>
+        </a:solidFill>
+        <a:ln w="48000" cap="flat" cmpd="thickThin" algn="ctr">
+          <a:solidFill>
+            <a:schemeClr val="lt1">
+              <a:hueOff val="0"/>
+              <a:satOff val="0"/>
+              <a:lumOff val="0"/>
+              <a:alphaOff val="0"/>
+            </a:schemeClr>
+          </a:solidFill>
+          <a:prstDash val="solid"/>
+        </a:ln>
+        <a:effectLst/>
+      </dsp:spPr>
+      <dsp:style>
+        <a:lnRef idx="2">
+          <a:scrgbClr r="0" g="0" b="0"/>
+        </a:lnRef>
+        <a:fillRef idx="1">
+          <a:scrgbClr r="0" g="0" b="0"/>
+        </a:fillRef>
+        <a:effectRef idx="0">
+          <a:scrgbClr r="0" g="0" b="0"/>
+        </a:effectRef>
+        <a:fontRef idx="minor">
+          <a:schemeClr val="lt1"/>
+        </a:fontRef>
+      </dsp:style>
+    </dsp:sp>
+    <dsp:sp modelId="{B67A0E93-498E-4375-883A-8D5E6784A9AA}">
+      <dsp:nvSpPr>
+        <dsp:cNvPr id="0" name=""/>
+        <dsp:cNvSpPr/>
+      </dsp:nvSpPr>
+      <dsp:spPr>
+        <a:xfrm>
+          <a:off x="2297697" y="942113"/>
+          <a:ext cx="1721465" cy="1093130"/>
+        </a:xfrm>
+        <a:prstGeom prst="roundRect">
+          <a:avLst>
+            <a:gd name="adj" fmla="val 10000"/>
+          </a:avLst>
+        </a:prstGeom>
+        <a:solidFill>
+          <a:schemeClr val="lt1">
+            <a:alpha val="90000"/>
+            <a:hueOff val="0"/>
+            <a:satOff val="0"/>
+            <a:lumOff val="0"/>
+            <a:alphaOff val="0"/>
+          </a:schemeClr>
+        </a:solidFill>
+        <a:ln w="48000" cap="flat" cmpd="thickThin" algn="ctr">
+          <a:solidFill>
+            <a:schemeClr val="accent1">
+              <a:hueOff val="0"/>
+              <a:satOff val="0"/>
+              <a:lumOff val="0"/>
+              <a:alphaOff val="0"/>
+            </a:schemeClr>
+          </a:solidFill>
+          <a:prstDash val="solid"/>
+        </a:ln>
+        <a:effectLst/>
+      </dsp:spPr>
+      <dsp:style>
+        <a:lnRef idx="2">
+          <a:scrgbClr r="0" g="0" b="0"/>
+        </a:lnRef>
+        <a:fillRef idx="1">
+          <a:scrgbClr r="0" g="0" b="0"/>
+        </a:fillRef>
+        <a:effectRef idx="0">
+          <a:scrgbClr r="0" g="0" b="0"/>
+        </a:effectRef>
+        <a:fontRef idx="minor"/>
+      </dsp:style>
+      <dsp:txBody>
+        <a:bodyPr spcFirstLastPara="0" vert="horz" wrap="square" lIns="49530" tIns="49530" rIns="49530" bIns="49530" numCol="1" spcCol="1270" anchor="ctr" anchorCtr="0">
+          <a:noAutofit/>
+        </a:bodyPr>
+        <a:lstStyle/>
+        <a:p>
+          <a:pPr lvl="0" algn="ctr" defTabSz="577850">
+            <a:lnSpc>
+              <a:spcPct val="90000"/>
+            </a:lnSpc>
+            <a:spcBef>
+              <a:spcPct val="0"/>
+            </a:spcBef>
+            <a:spcAft>
+              <a:spcPct val="35000"/>
+            </a:spcAft>
+          </a:pPr>
+          <a:r>
+            <a:rPr lang="en-US" sz="1300" kern="1200" smtClean="0"/>
+            <a:t>CTextConverter</a:t>
+          </a:r>
+          <a:endParaRPr lang="ru-RU" sz="1300" kern="1200" dirty="0"/>
+        </a:p>
+      </dsp:txBody>
+      <dsp:txXfrm>
+        <a:off x="2329714" y="974130"/>
+        <a:ext cx="1657431" cy="1029096"/>
+      </dsp:txXfrm>
+    </dsp:sp>
+    <dsp:sp modelId="{86BB6F11-BD73-4C0B-8642-6848E4637150}">
+      <dsp:nvSpPr>
+        <dsp:cNvPr id="0" name=""/>
+        <dsp:cNvSpPr/>
+      </dsp:nvSpPr>
+      <dsp:spPr>
+        <a:xfrm>
+          <a:off x="1054417" y="2354193"/>
+          <a:ext cx="1721465" cy="1093130"/>
+        </a:xfrm>
+        <a:prstGeom prst="roundRect">
+          <a:avLst>
+            <a:gd name="adj" fmla="val 10000"/>
+          </a:avLst>
+        </a:prstGeom>
+        <a:solidFill>
+          <a:schemeClr val="accent1">
+            <a:hueOff val="0"/>
+            <a:satOff val="0"/>
+            <a:lumOff val="0"/>
+            <a:alphaOff val="0"/>
+          </a:schemeClr>
+        </a:solidFill>
+        <a:ln w="48000" cap="flat" cmpd="thickThin" algn="ctr">
+          <a:solidFill>
+            <a:schemeClr val="lt1">
+              <a:hueOff val="0"/>
+              <a:satOff val="0"/>
+              <a:lumOff val="0"/>
+              <a:alphaOff val="0"/>
+            </a:schemeClr>
+          </a:solidFill>
+          <a:prstDash val="solid"/>
+        </a:ln>
+        <a:effectLst/>
+      </dsp:spPr>
+      <dsp:style>
+        <a:lnRef idx="2">
+          <a:scrgbClr r="0" g="0" b="0"/>
+        </a:lnRef>
+        <a:fillRef idx="1">
+          <a:scrgbClr r="0" g="0" b="0"/>
+        </a:fillRef>
+        <a:effectRef idx="0">
+          <a:scrgbClr r="0" g="0" b="0"/>
+        </a:effectRef>
+        <a:fontRef idx="minor">
+          <a:schemeClr val="lt1"/>
+        </a:fontRef>
+      </dsp:style>
+    </dsp:sp>
+    <dsp:sp modelId="{35F5EB30-8A86-49DF-B88D-847F1790A7B0}">
+      <dsp:nvSpPr>
+        <dsp:cNvPr id="0" name=""/>
+        <dsp:cNvSpPr/>
+      </dsp:nvSpPr>
+      <dsp:spPr>
+        <a:xfrm>
+          <a:off x="1245691" y="2535903"/>
+          <a:ext cx="1721465" cy="1093130"/>
+        </a:xfrm>
+        <a:prstGeom prst="roundRect">
+          <a:avLst>
+            <a:gd name="adj" fmla="val 10000"/>
+          </a:avLst>
+        </a:prstGeom>
+        <a:solidFill>
+          <a:schemeClr val="lt1">
+            <a:alpha val="90000"/>
+            <a:hueOff val="0"/>
+            <a:satOff val="0"/>
+            <a:lumOff val="0"/>
+            <a:alphaOff val="0"/>
+          </a:schemeClr>
+        </a:solidFill>
+        <a:ln w="48000" cap="flat" cmpd="thickThin" algn="ctr">
+          <a:solidFill>
+            <a:schemeClr val="accent1">
+              <a:hueOff val="0"/>
+              <a:satOff val="0"/>
+              <a:lumOff val="0"/>
+              <a:alphaOff val="0"/>
+            </a:schemeClr>
+          </a:solidFill>
+          <a:prstDash val="solid"/>
+        </a:ln>
+        <a:effectLst/>
+      </dsp:spPr>
+      <dsp:style>
+        <a:lnRef idx="2">
+          <a:scrgbClr r="0" g="0" b="0"/>
+        </a:lnRef>
+        <a:fillRef idx="1">
+          <a:scrgbClr r="0" g="0" b="0"/>
+        </a:fillRef>
+        <a:effectRef idx="0">
+          <a:scrgbClr r="0" g="0" b="0"/>
+        </a:effectRef>
+        <a:fontRef idx="minor"/>
+      </dsp:style>
+      <dsp:txBody>
+        <a:bodyPr spcFirstLastPara="0" vert="horz" wrap="square" lIns="49530" tIns="49530" rIns="49530" bIns="49530" numCol="1" spcCol="1270" anchor="ctr" anchorCtr="0">
+          <a:noAutofit/>
+        </a:bodyPr>
+        <a:lstStyle/>
+        <a:p>
+          <a:pPr lvl="0" algn="ctr" defTabSz="577850">
+            <a:lnSpc>
+              <a:spcPct val="90000"/>
+            </a:lnSpc>
+            <a:spcBef>
+              <a:spcPct val="0"/>
+            </a:spcBef>
+            <a:spcAft>
+              <a:spcPct val="35000"/>
+            </a:spcAft>
+          </a:pPr>
+          <a:r>
+            <a:rPr lang="en-US" sz="1300" kern="1200" dirty="0" err="1" smtClean="0"/>
+            <a:t>CPDFConverter</a:t>
+          </a:r>
+          <a:endParaRPr lang="ru-RU" sz="1300" kern="1200" dirty="0"/>
+        </a:p>
+      </dsp:txBody>
+      <dsp:txXfrm>
+        <a:off x="1277708" y="2567920"/>
+        <a:ext cx="1657431" cy="1029096"/>
+      </dsp:txXfrm>
+    </dsp:sp>
+    <dsp:sp modelId="{2A3ED077-9E8B-4701-B586-B9A836F33924}">
+      <dsp:nvSpPr>
+        <dsp:cNvPr id="0" name=""/>
+        <dsp:cNvSpPr/>
+      </dsp:nvSpPr>
+      <dsp:spPr>
+        <a:xfrm>
+          <a:off x="3158430" y="2354193"/>
+          <a:ext cx="1721465" cy="1093130"/>
+        </a:xfrm>
+        <a:prstGeom prst="roundRect">
+          <a:avLst>
+            <a:gd name="adj" fmla="val 10000"/>
+          </a:avLst>
+        </a:prstGeom>
+        <a:solidFill>
+          <a:schemeClr val="accent1">
+            <a:hueOff val="0"/>
+            <a:satOff val="0"/>
+            <a:lumOff val="0"/>
+            <a:alphaOff val="0"/>
+          </a:schemeClr>
+        </a:solidFill>
+        <a:ln w="48000" cap="flat" cmpd="thickThin" algn="ctr">
+          <a:solidFill>
+            <a:schemeClr val="lt1">
+              <a:hueOff val="0"/>
+              <a:satOff val="0"/>
+              <a:lumOff val="0"/>
+              <a:alphaOff val="0"/>
+            </a:schemeClr>
+          </a:solidFill>
+          <a:prstDash val="solid"/>
+        </a:ln>
+        <a:effectLst/>
+      </dsp:spPr>
+      <dsp:style>
+        <a:lnRef idx="2">
+          <a:scrgbClr r="0" g="0" b="0"/>
+        </a:lnRef>
+        <a:fillRef idx="1">
+          <a:scrgbClr r="0" g="0" b="0"/>
+        </a:fillRef>
+        <a:effectRef idx="0">
+          <a:scrgbClr r="0" g="0" b="0"/>
+        </a:effectRef>
+        <a:fontRef idx="minor">
+          <a:schemeClr val="lt1"/>
+        </a:fontRef>
+      </dsp:style>
+    </dsp:sp>
+    <dsp:sp modelId="{04813C26-7E72-4615-9E3E-AC927971786D}">
+      <dsp:nvSpPr>
+        <dsp:cNvPr id="0" name=""/>
+        <dsp:cNvSpPr/>
+      </dsp:nvSpPr>
+      <dsp:spPr>
+        <a:xfrm>
+          <a:off x="3349704" y="2535903"/>
+          <a:ext cx="1721465" cy="1093130"/>
+        </a:xfrm>
+        <a:prstGeom prst="roundRect">
+          <a:avLst>
+            <a:gd name="adj" fmla="val 10000"/>
+          </a:avLst>
+        </a:prstGeom>
+        <a:solidFill>
+          <a:schemeClr val="lt1">
+            <a:alpha val="90000"/>
+            <a:hueOff val="0"/>
+            <a:satOff val="0"/>
+            <a:lumOff val="0"/>
+            <a:alphaOff val="0"/>
+          </a:schemeClr>
+        </a:solidFill>
+        <a:ln w="48000" cap="flat" cmpd="thickThin" algn="ctr">
+          <a:solidFill>
+            <a:schemeClr val="accent1">
+              <a:hueOff val="0"/>
+              <a:satOff val="0"/>
+              <a:lumOff val="0"/>
+              <a:alphaOff val="0"/>
+            </a:schemeClr>
+          </a:solidFill>
+          <a:prstDash val="solid"/>
+        </a:ln>
+        <a:effectLst/>
+      </dsp:spPr>
+      <dsp:style>
+        <a:lnRef idx="2">
+          <a:scrgbClr r="0" g="0" b="0"/>
+        </a:lnRef>
+        <a:fillRef idx="1">
+          <a:scrgbClr r="0" g="0" b="0"/>
+        </a:fillRef>
+        <a:effectRef idx="0">
+          <a:scrgbClr r="0" g="0" b="0"/>
+        </a:effectRef>
+        <a:fontRef idx="minor"/>
+      </dsp:style>
+      <dsp:txBody>
+        <a:bodyPr spcFirstLastPara="0" vert="horz" wrap="square" lIns="49530" tIns="49530" rIns="49530" bIns="49530" numCol="1" spcCol="1270" anchor="ctr" anchorCtr="0">
+          <a:noAutofit/>
+        </a:bodyPr>
+        <a:lstStyle/>
+        <a:p>
+          <a:pPr lvl="0" algn="ctr" defTabSz="577850">
+            <a:lnSpc>
+              <a:spcPct val="90000"/>
+            </a:lnSpc>
+            <a:spcBef>
+              <a:spcPct val="0"/>
+            </a:spcBef>
+            <a:spcAft>
+              <a:spcPct val="35000"/>
+            </a:spcAft>
+          </a:pPr>
+          <a:r>
+            <a:rPr lang="en-US" sz="1300" kern="1200" dirty="0" err="1" smtClean="0"/>
+            <a:t>CPlainTextConverter</a:t>
+          </a:r>
+          <a:endParaRPr lang="ru-RU" sz="1300" kern="1200" dirty="0"/>
+        </a:p>
+      </dsp:txBody>
+      <dsp:txXfrm>
+        <a:off x="3381721" y="2567920"/>
+        <a:ext cx="1657431" cy="1029096"/>
+      </dsp:txXfrm>
+    </dsp:sp>
+    <dsp:sp modelId="{5DA3F922-3784-4A58-B544-C9D43962B33A}">
+      <dsp:nvSpPr>
+        <dsp:cNvPr id="0" name=""/>
+        <dsp:cNvSpPr/>
+      </dsp:nvSpPr>
+      <dsp:spPr>
+        <a:xfrm>
+          <a:off x="4210436" y="760403"/>
+          <a:ext cx="1721465" cy="1093130"/>
+        </a:xfrm>
+        <a:prstGeom prst="roundRect">
+          <a:avLst>
+            <a:gd name="adj" fmla="val 10000"/>
+          </a:avLst>
+        </a:prstGeom>
+        <a:solidFill>
+          <a:schemeClr val="accent1">
+            <a:hueOff val="0"/>
+            <a:satOff val="0"/>
+            <a:lumOff val="0"/>
+            <a:alphaOff val="0"/>
+          </a:schemeClr>
+        </a:solidFill>
+        <a:ln w="48000" cap="flat" cmpd="thickThin" algn="ctr">
+          <a:solidFill>
+            <a:schemeClr val="lt1">
+              <a:hueOff val="0"/>
+              <a:satOff val="0"/>
+              <a:lumOff val="0"/>
+              <a:alphaOff val="0"/>
+            </a:schemeClr>
+          </a:solidFill>
+          <a:prstDash val="solid"/>
+        </a:ln>
+        <a:effectLst/>
+      </dsp:spPr>
+      <dsp:style>
+        <a:lnRef idx="2">
+          <a:scrgbClr r="0" g="0" b="0"/>
+        </a:lnRef>
+        <a:fillRef idx="1">
+          <a:scrgbClr r="0" g="0" b="0"/>
+        </a:fillRef>
+        <a:effectRef idx="0">
+          <a:scrgbClr r="0" g="0" b="0"/>
+        </a:effectRef>
+        <a:fontRef idx="minor">
+          <a:schemeClr val="lt1"/>
+        </a:fontRef>
+      </dsp:style>
+    </dsp:sp>
+    <dsp:sp modelId="{6F30C356-F2CC-444C-86D9-98093E5EE7D2}">
+      <dsp:nvSpPr>
+        <dsp:cNvPr id="0" name=""/>
+        <dsp:cNvSpPr/>
+      </dsp:nvSpPr>
+      <dsp:spPr>
+        <a:xfrm>
+          <a:off x="4401710" y="942113"/>
+          <a:ext cx="1721465" cy="1093130"/>
+        </a:xfrm>
+        <a:prstGeom prst="roundRect">
+          <a:avLst>
+            <a:gd name="adj" fmla="val 10000"/>
+          </a:avLst>
+        </a:prstGeom>
+        <a:solidFill>
+          <a:schemeClr val="lt1">
+            <a:alpha val="90000"/>
+            <a:hueOff val="0"/>
+            <a:satOff val="0"/>
+            <a:lumOff val="0"/>
+            <a:alphaOff val="0"/>
+          </a:schemeClr>
+        </a:solidFill>
+        <a:ln w="48000" cap="flat" cmpd="thickThin" algn="ctr">
+          <a:solidFill>
+            <a:schemeClr val="accent1">
+              <a:hueOff val="0"/>
+              <a:satOff val="0"/>
+              <a:lumOff val="0"/>
+              <a:alphaOff val="0"/>
+            </a:schemeClr>
+          </a:solidFill>
+          <a:prstDash val="solid"/>
+        </a:ln>
+        <a:effectLst/>
+      </dsp:spPr>
+      <dsp:style>
+        <a:lnRef idx="2">
+          <a:scrgbClr r="0" g="0" b="0"/>
+        </a:lnRef>
+        <a:fillRef idx="1">
+          <a:scrgbClr r="0" g="0" b="0"/>
+        </a:fillRef>
+        <a:effectRef idx="0">
+          <a:scrgbClr r="0" g="0" b="0"/>
+        </a:effectRef>
+        <a:fontRef idx="minor"/>
+      </dsp:style>
+      <dsp:txBody>
+        <a:bodyPr spcFirstLastPara="0" vert="horz" wrap="square" lIns="49530" tIns="49530" rIns="49530" bIns="49530" numCol="1" spcCol="1270" anchor="ctr" anchorCtr="0">
+          <a:noAutofit/>
+        </a:bodyPr>
+        <a:lstStyle/>
+        <a:p>
+          <a:pPr lvl="0" algn="ctr" defTabSz="577850">
+            <a:lnSpc>
+              <a:spcPct val="90000"/>
+            </a:lnSpc>
+            <a:spcBef>
+              <a:spcPct val="0"/>
+            </a:spcBef>
+            <a:spcAft>
+              <a:spcPct val="35000"/>
+            </a:spcAft>
+          </a:pPr>
+          <a:r>
+            <a:rPr lang="en-US" sz="1300" kern="1200" dirty="0" err="1" smtClean="0"/>
+            <a:t>CPDFDocument</a:t>
+          </a:r>
+          <a:endParaRPr lang="ru-RU" sz="1300" kern="1200" dirty="0"/>
+        </a:p>
+      </dsp:txBody>
+      <dsp:txXfrm>
+        <a:off x="4433727" y="974130"/>
+        <a:ext cx="1657431" cy="1029096"/>
+      </dsp:txXfrm>
+    </dsp:sp>
+    <dsp:sp modelId="{5B5D8880-7776-4406-A101-906DE4BEA708}">
+      <dsp:nvSpPr>
+        <dsp:cNvPr id="0" name=""/>
+        <dsp:cNvSpPr/>
+      </dsp:nvSpPr>
+      <dsp:spPr>
+        <a:xfrm>
+          <a:off x="6314449" y="760403"/>
+          <a:ext cx="1721465" cy="1093130"/>
+        </a:xfrm>
+        <a:prstGeom prst="roundRect">
+          <a:avLst>
+            <a:gd name="adj" fmla="val 10000"/>
+          </a:avLst>
+        </a:prstGeom>
+        <a:solidFill>
+          <a:schemeClr val="accent1">
+            <a:hueOff val="0"/>
+            <a:satOff val="0"/>
+            <a:lumOff val="0"/>
+            <a:alphaOff val="0"/>
+          </a:schemeClr>
+        </a:solidFill>
+        <a:ln w="48000" cap="flat" cmpd="thickThin" algn="ctr">
+          <a:solidFill>
+            <a:schemeClr val="lt1">
+              <a:hueOff val="0"/>
+              <a:satOff val="0"/>
+              <a:lumOff val="0"/>
+              <a:alphaOff val="0"/>
+            </a:schemeClr>
+          </a:solidFill>
+          <a:prstDash val="solid"/>
+        </a:ln>
+        <a:effectLst/>
+      </dsp:spPr>
+      <dsp:style>
+        <a:lnRef idx="2">
+          <a:scrgbClr r="0" g="0" b="0"/>
+        </a:lnRef>
+        <a:fillRef idx="1">
+          <a:scrgbClr r="0" g="0" b="0"/>
+        </a:fillRef>
+        <a:effectRef idx="0">
+          <a:scrgbClr r="0" g="0" b="0"/>
+        </a:effectRef>
+        <a:fontRef idx="minor">
+          <a:schemeClr val="lt1"/>
+        </a:fontRef>
+      </dsp:style>
+    </dsp:sp>
+    <dsp:sp modelId="{378A0513-42E4-4CBB-ADE9-BD51F7D428EA}">
+      <dsp:nvSpPr>
+        <dsp:cNvPr id="0" name=""/>
+        <dsp:cNvSpPr/>
+      </dsp:nvSpPr>
+      <dsp:spPr>
+        <a:xfrm>
+          <a:off x="6505723" y="942113"/>
+          <a:ext cx="1721465" cy="1093130"/>
+        </a:xfrm>
+        <a:prstGeom prst="roundRect">
+          <a:avLst>
+            <a:gd name="adj" fmla="val 10000"/>
+          </a:avLst>
+        </a:prstGeom>
+        <a:solidFill>
+          <a:schemeClr val="lt1">
+            <a:alpha val="90000"/>
+            <a:hueOff val="0"/>
+            <a:satOff val="0"/>
+            <a:lumOff val="0"/>
+            <a:alphaOff val="0"/>
+          </a:schemeClr>
+        </a:solidFill>
+        <a:ln w="48000" cap="flat" cmpd="thickThin" algn="ctr">
+          <a:solidFill>
+            <a:schemeClr val="accent1">
+              <a:hueOff val="0"/>
+              <a:satOff val="0"/>
+              <a:lumOff val="0"/>
+              <a:alphaOff val="0"/>
+            </a:schemeClr>
+          </a:solidFill>
+          <a:prstDash val="solid"/>
+        </a:ln>
+        <a:effectLst/>
+      </dsp:spPr>
+      <dsp:style>
+        <a:lnRef idx="2">
+          <a:scrgbClr r="0" g="0" b="0"/>
+        </a:lnRef>
+        <a:fillRef idx="1">
+          <a:scrgbClr r="0" g="0" b="0"/>
+        </a:fillRef>
+        <a:effectRef idx="0">
+          <a:scrgbClr r="0" g="0" b="0"/>
+        </a:effectRef>
+        <a:fontRef idx="minor"/>
+      </dsp:style>
+      <dsp:txBody>
+        <a:bodyPr spcFirstLastPara="0" vert="horz" wrap="square" lIns="49530" tIns="49530" rIns="49530" bIns="49530" numCol="1" spcCol="1270" anchor="ctr" anchorCtr="0">
+          <a:noAutofit/>
+        </a:bodyPr>
+        <a:lstStyle/>
+        <a:p>
+          <a:pPr lvl="0" algn="ctr" defTabSz="577850">
+            <a:lnSpc>
+              <a:spcPct val="90000"/>
+            </a:lnSpc>
+            <a:spcBef>
+              <a:spcPct val="0"/>
+            </a:spcBef>
+            <a:spcAft>
+              <a:spcPct val="35000"/>
+            </a:spcAft>
+          </a:pPr>
+          <a:r>
+            <a:rPr lang="en-US" sz="1300" kern="1200" dirty="0" err="1" smtClean="0"/>
+            <a:t>CPlainText</a:t>
+          </a:r>
+          <a:endParaRPr lang="ru-RU" sz="1300" kern="1200" dirty="0"/>
+        </a:p>
+      </dsp:txBody>
+      <dsp:txXfrm>
+        <a:off x="6537740" y="974130"/>
+        <a:ext cx="1657431" cy="1029096"/>
+      </dsp:txXfrm>
+    </dsp:sp>
   </dsp:spTree>
 </dsp:drawing>
 </file>
@@ -3101,7 +3997,7 @@
           <a:p>
             <a:fld id="{2F3DCB6D-0B48-4A3D-B663-06C3F903A9D3}" type="datetimeFigureOut">
               <a:rPr lang="ru-RU" smtClean="0"/>
-              <a:t>01.06.2017</a:t>
+              <a:t>22.11.2018</a:t>
             </a:fld>
             <a:endParaRPr lang="ru-RU"/>
           </a:p>
@@ -4568,7 +5464,7 @@
           <a:p>
             <a:fld id="{2590F9C9-AB92-4E86-B698-DEC9BF4350FF}" type="datetimeFigureOut">
               <a:rPr lang="ru-RU" smtClean="0"/>
-              <a:t>01.06.2017</a:t>
+              <a:t>22.11.2018</a:t>
             </a:fld>
             <a:endParaRPr lang="ru-RU"/>
           </a:p>
@@ -4792,7 +5688,7 @@
           <a:p>
             <a:fld id="{2590F9C9-AB92-4E86-B698-DEC9BF4350FF}" type="datetimeFigureOut">
               <a:rPr lang="ru-RU" smtClean="0"/>
-              <a:t>01.06.2017</a:t>
+              <a:t>22.11.2018</a:t>
             </a:fld>
             <a:endParaRPr lang="ru-RU"/>
           </a:p>
@@ -5064,7 +5960,7 @@
           <a:p>
             <a:fld id="{2590F9C9-AB92-4E86-B698-DEC9BF4350FF}" type="datetimeFigureOut">
               <a:rPr lang="ru-RU" smtClean="0"/>
-              <a:t>01.06.2017</a:t>
+              <a:t>22.11.2018</a:t>
             </a:fld>
             <a:endParaRPr lang="ru-RU"/>
           </a:p>
@@ -5239,7 +6135,7 @@
           <a:p>
             <a:fld id="{2590F9C9-AB92-4E86-B698-DEC9BF4350FF}" type="datetimeFigureOut">
               <a:rPr lang="ru-RU" smtClean="0"/>
-              <a:t>01.06.2017</a:t>
+              <a:t>22.11.2018</a:t>
             </a:fld>
             <a:endParaRPr lang="ru-RU"/>
           </a:p>
@@ -5600,7 +6496,7 @@
           <a:p>
             <a:fld id="{2590F9C9-AB92-4E86-B698-DEC9BF4350FF}" type="datetimeFigureOut">
               <a:rPr lang="ru-RU" smtClean="0"/>
-              <a:t>01.06.2017</a:t>
+              <a:t>22.11.2018</a:t>
             </a:fld>
             <a:endParaRPr lang="ru-RU"/>
           </a:p>
@@ -5885,7 +6781,7 @@
           <a:p>
             <a:fld id="{2590F9C9-AB92-4E86-B698-DEC9BF4350FF}" type="datetimeFigureOut">
               <a:rPr lang="ru-RU" smtClean="0"/>
-              <a:t>01.06.2017</a:t>
+              <a:t>22.11.2018</a:t>
             </a:fld>
             <a:endParaRPr lang="ru-RU"/>
           </a:p>
@@ -6307,7 +7203,7 @@
           <a:p>
             <a:fld id="{2590F9C9-AB92-4E86-B698-DEC9BF4350FF}" type="datetimeFigureOut">
               <a:rPr lang="ru-RU" smtClean="0"/>
-              <a:t>01.06.2017</a:t>
+              <a:t>22.11.2018</a:t>
             </a:fld>
             <a:endParaRPr lang="ru-RU"/>
           </a:p>
@@ -6420,7 +7316,7 @@
           <a:p>
             <a:fld id="{2590F9C9-AB92-4E86-B698-DEC9BF4350FF}" type="datetimeFigureOut">
               <a:rPr lang="ru-RU" smtClean="0"/>
-              <a:t>01.06.2017</a:t>
+              <a:t>22.11.2018</a:t>
             </a:fld>
             <a:endParaRPr lang="ru-RU"/>
           </a:p>
@@ -6517,7 +7413,7 @@
           <a:p>
             <a:fld id="{2590F9C9-AB92-4E86-B698-DEC9BF4350FF}" type="datetimeFigureOut">
               <a:rPr lang="ru-RU" smtClean="0"/>
-              <a:t>01.06.2017</a:t>
+              <a:t>22.11.2018</a:t>
             </a:fld>
             <a:endParaRPr lang="ru-RU"/>
           </a:p>
@@ -6795,7 +7691,7 @@
           <a:p>
             <a:fld id="{2590F9C9-AB92-4E86-B698-DEC9BF4350FF}" type="datetimeFigureOut">
               <a:rPr lang="ru-RU" smtClean="0"/>
-              <a:t>01.06.2017</a:t>
+              <a:t>22.11.2018</a:t>
             </a:fld>
             <a:endParaRPr lang="ru-RU"/>
           </a:p>
@@ -7157,7 +8053,7 @@
           <a:p>
             <a:fld id="{2590F9C9-AB92-4E86-B698-DEC9BF4350FF}" type="datetimeFigureOut">
               <a:rPr lang="ru-RU" smtClean="0"/>
-              <a:t>01.06.2017</a:t>
+              <a:t>22.11.2018</a:t>
             </a:fld>
             <a:endParaRPr lang="ru-RU"/>
           </a:p>
@@ -7582,7 +8478,7 @@
           <a:p>
             <a:fld id="{2590F9C9-AB92-4E86-B698-DEC9BF4350FF}" type="datetimeFigureOut">
               <a:rPr lang="ru-RU" smtClean="0"/>
-              <a:t>01.06.2017</a:t>
+              <a:t>22.11.2018</a:t>
             </a:fld>
             <a:endParaRPr lang="ru-RU"/>
           </a:p>
@@ -8783,7 +9679,15 @@
           <a:p>
             <a:r>
               <a:rPr lang="ru-RU" dirty="0" smtClean="0"/>
-              <a:t>Отделяет конструирование сложного объекта от его представления, так что в результате одного и того же процесса конструирования могут получаться разные представления</a:t>
+              <a:t>Отделяет конструирование сложного объекта от его представления, </a:t>
+            </a:r>
+            <a:r>
+              <a:rPr lang="ru-RU" dirty="0" smtClean="0"/>
+              <a:t>так что </a:t>
+            </a:r>
+            <a:r>
+              <a:rPr lang="ru-RU" dirty="0" smtClean="0"/>
+              <a:t>в результате одного и того же процесса конструирования могут получаться разные представления</a:t>
             </a:r>
             <a:endParaRPr lang="ru-RU" dirty="0"/>
           </a:p>
@@ -8867,13 +9771,13 @@
           <a:lstStyle/>
           <a:p>
             <a:r>
-              <a:rPr lang="ru-RU"/>
+              <a:rPr lang="ru-RU" dirty="0"/>
               <a:t>Алгоритм создания сложного объекта не должен зависеть от того, из каких частей состоит объект и как они стыкуются между собой </a:t>
             </a:r>
           </a:p>
           <a:p>
             <a:r>
-              <a:rPr lang="ru-RU"/>
+              <a:rPr lang="ru-RU" dirty="0"/>
               <a:t>Процесс конструирования должен обеспечивать различные представления конструируемого объекта </a:t>
             </a:r>
           </a:p>
@@ -8892,9 +9796,157 @@
   <p:timing>
     <p:tnLst>
       <p:par>
-        <p:cTn id="1" dur="indefinite" restart="never" nodeType="tmRoot"/>
+        <p:cTn id="1" dur="indefinite" restart="never" nodeType="tmRoot">
+          <p:childTnLst>
+            <p:seq concurrent="1" nextAc="seek">
+              <p:cTn id="2" dur="indefinite" nodeType="mainSeq">
+                <p:childTnLst>
+                  <p:par>
+                    <p:cTn id="3" fill="hold">
+                      <p:stCondLst>
+                        <p:cond delay="indefinite"/>
+                      </p:stCondLst>
+                      <p:childTnLst>
+                        <p:par>
+                          <p:cTn id="4" fill="hold">
+                            <p:stCondLst>
+                              <p:cond delay="0"/>
+                            </p:stCondLst>
+                            <p:childTnLst>
+                              <p:par>
+                                <p:cTn id="5" presetID="10" presetClass="entr" presetSubtype="0" fill="hold" grpId="0" nodeType="clickEffect">
+                                  <p:stCondLst>
+                                    <p:cond delay="0"/>
+                                  </p:stCondLst>
+                                  <p:childTnLst>
+                                    <p:set>
+                                      <p:cBhvr>
+                                        <p:cTn id="6" dur="1" fill="hold">
+                                          <p:stCondLst>
+                                            <p:cond delay="0"/>
+                                          </p:stCondLst>
+                                        </p:cTn>
+                                        <p:tgtEl>
+                                          <p:spTgt spid="40963">
+                                            <p:txEl>
+                                              <p:pRg st="0" end="0"/>
+                                            </p:txEl>
+                                          </p:spTgt>
+                                        </p:tgtEl>
+                                        <p:attrNameLst>
+                                          <p:attrName>style.visibility</p:attrName>
+                                        </p:attrNameLst>
+                                      </p:cBhvr>
+                                      <p:to>
+                                        <p:strVal val="visible"/>
+                                      </p:to>
+                                    </p:set>
+                                    <p:animEffect transition="in" filter="fade">
+                                      <p:cBhvr>
+                                        <p:cTn id="7" dur="500"/>
+                                        <p:tgtEl>
+                                          <p:spTgt spid="40963">
+                                            <p:txEl>
+                                              <p:pRg st="0" end="0"/>
+                                            </p:txEl>
+                                          </p:spTgt>
+                                        </p:tgtEl>
+                                      </p:cBhvr>
+                                    </p:animEffect>
+                                  </p:childTnLst>
+                                </p:cTn>
+                              </p:par>
+                            </p:childTnLst>
+                          </p:cTn>
+                        </p:par>
+                      </p:childTnLst>
+                    </p:cTn>
+                  </p:par>
+                  <p:par>
+                    <p:cTn id="8" fill="hold">
+                      <p:stCondLst>
+                        <p:cond delay="indefinite"/>
+                      </p:stCondLst>
+                      <p:childTnLst>
+                        <p:par>
+                          <p:cTn id="9" fill="hold">
+                            <p:stCondLst>
+                              <p:cond delay="0"/>
+                            </p:stCondLst>
+                            <p:childTnLst>
+                              <p:par>
+                                <p:cTn id="10" presetID="10" presetClass="entr" presetSubtype="0" fill="hold" grpId="0" nodeType="clickEffect">
+                                  <p:stCondLst>
+                                    <p:cond delay="0"/>
+                                  </p:stCondLst>
+                                  <p:childTnLst>
+                                    <p:set>
+                                      <p:cBhvr>
+                                        <p:cTn id="11" dur="1" fill="hold">
+                                          <p:stCondLst>
+                                            <p:cond delay="0"/>
+                                          </p:stCondLst>
+                                        </p:cTn>
+                                        <p:tgtEl>
+                                          <p:spTgt spid="40963">
+                                            <p:txEl>
+                                              <p:pRg st="1" end="1"/>
+                                            </p:txEl>
+                                          </p:spTgt>
+                                        </p:tgtEl>
+                                        <p:attrNameLst>
+                                          <p:attrName>style.visibility</p:attrName>
+                                        </p:attrNameLst>
+                                      </p:cBhvr>
+                                      <p:to>
+                                        <p:strVal val="visible"/>
+                                      </p:to>
+                                    </p:set>
+                                    <p:animEffect transition="in" filter="fade">
+                                      <p:cBhvr>
+                                        <p:cTn id="12" dur="500"/>
+                                        <p:tgtEl>
+                                          <p:spTgt spid="40963">
+                                            <p:txEl>
+                                              <p:pRg st="1" end="1"/>
+                                            </p:txEl>
+                                          </p:spTgt>
+                                        </p:tgtEl>
+                                      </p:cBhvr>
+                                    </p:animEffect>
+                                  </p:childTnLst>
+                                </p:cTn>
+                              </p:par>
+                            </p:childTnLst>
+                          </p:cTn>
+                        </p:par>
+                      </p:childTnLst>
+                    </p:cTn>
+                  </p:par>
+                </p:childTnLst>
+              </p:cTn>
+              <p:prevCondLst>
+                <p:cond evt="onPrev" delay="0">
+                  <p:tgtEl>
+                    <p:sldTgt/>
+                  </p:tgtEl>
+                </p:cond>
+              </p:prevCondLst>
+              <p:nextCondLst>
+                <p:cond evt="onNext" delay="0">
+                  <p:tgtEl>
+                    <p:sldTgt/>
+                  </p:tgtEl>
+                </p:cond>
+              </p:nextCondLst>
+            </p:seq>
+          </p:childTnLst>
+        </p:cTn>
       </p:par>
     </p:tnLst>
+    <p:bldLst>
+      <p:bldP spid="40963" grpId="0" build="p"/>
+    </p:bldLst>
   </p:timing>
 </p:sld>
 </file>

--- a/lectures/15.builder/builder.pptx
+++ b/lectures/15.builder/builder.pptx
@@ -3997,7 +3997,7 @@
           <a:p>
             <a:fld id="{2F3DCB6D-0B48-4A3D-B663-06C3F903A9D3}" type="datetimeFigureOut">
               <a:rPr lang="ru-RU" smtClean="0"/>
-              <a:t>22.11.2018</a:t>
+              <a:t>13.12.2018</a:t>
             </a:fld>
             <a:endParaRPr lang="ru-RU"/>
           </a:p>
@@ -5464,7 +5464,7 @@
           <a:p>
             <a:fld id="{2590F9C9-AB92-4E86-B698-DEC9BF4350FF}" type="datetimeFigureOut">
               <a:rPr lang="ru-RU" smtClean="0"/>
-              <a:t>22.11.2018</a:t>
+              <a:t>13.12.2018</a:t>
             </a:fld>
             <a:endParaRPr lang="ru-RU"/>
           </a:p>
@@ -5688,7 +5688,7 @@
           <a:p>
             <a:fld id="{2590F9C9-AB92-4E86-B698-DEC9BF4350FF}" type="datetimeFigureOut">
               <a:rPr lang="ru-RU" smtClean="0"/>
-              <a:t>22.11.2018</a:t>
+              <a:t>13.12.2018</a:t>
             </a:fld>
             <a:endParaRPr lang="ru-RU"/>
           </a:p>
@@ -5960,7 +5960,7 @@
           <a:p>
             <a:fld id="{2590F9C9-AB92-4E86-B698-DEC9BF4350FF}" type="datetimeFigureOut">
               <a:rPr lang="ru-RU" smtClean="0"/>
-              <a:t>22.11.2018</a:t>
+              <a:t>13.12.2018</a:t>
             </a:fld>
             <a:endParaRPr lang="ru-RU"/>
           </a:p>
@@ -6135,7 +6135,7 @@
           <a:p>
             <a:fld id="{2590F9C9-AB92-4E86-B698-DEC9BF4350FF}" type="datetimeFigureOut">
               <a:rPr lang="ru-RU" smtClean="0"/>
-              <a:t>22.11.2018</a:t>
+              <a:t>13.12.2018</a:t>
             </a:fld>
             <a:endParaRPr lang="ru-RU"/>
           </a:p>
@@ -6496,7 +6496,7 @@
           <a:p>
             <a:fld id="{2590F9C9-AB92-4E86-B698-DEC9BF4350FF}" type="datetimeFigureOut">
               <a:rPr lang="ru-RU" smtClean="0"/>
-              <a:t>22.11.2018</a:t>
+              <a:t>13.12.2018</a:t>
             </a:fld>
             <a:endParaRPr lang="ru-RU"/>
           </a:p>
@@ -6781,7 +6781,7 @@
           <a:p>
             <a:fld id="{2590F9C9-AB92-4E86-B698-DEC9BF4350FF}" type="datetimeFigureOut">
               <a:rPr lang="ru-RU" smtClean="0"/>
-              <a:t>22.11.2018</a:t>
+              <a:t>13.12.2018</a:t>
             </a:fld>
             <a:endParaRPr lang="ru-RU"/>
           </a:p>
@@ -7203,7 +7203,7 @@
           <a:p>
             <a:fld id="{2590F9C9-AB92-4E86-B698-DEC9BF4350FF}" type="datetimeFigureOut">
               <a:rPr lang="ru-RU" smtClean="0"/>
-              <a:t>22.11.2018</a:t>
+              <a:t>13.12.2018</a:t>
             </a:fld>
             <a:endParaRPr lang="ru-RU"/>
           </a:p>
@@ -7316,7 +7316,7 @@
           <a:p>
             <a:fld id="{2590F9C9-AB92-4E86-B698-DEC9BF4350FF}" type="datetimeFigureOut">
               <a:rPr lang="ru-RU" smtClean="0"/>
-              <a:t>22.11.2018</a:t>
+              <a:t>13.12.2018</a:t>
             </a:fld>
             <a:endParaRPr lang="ru-RU"/>
           </a:p>
@@ -7413,7 +7413,7 @@
           <a:p>
             <a:fld id="{2590F9C9-AB92-4E86-B698-DEC9BF4350FF}" type="datetimeFigureOut">
               <a:rPr lang="ru-RU" smtClean="0"/>
-              <a:t>22.11.2018</a:t>
+              <a:t>13.12.2018</a:t>
             </a:fld>
             <a:endParaRPr lang="ru-RU"/>
           </a:p>
@@ -7691,7 +7691,7 @@
           <a:p>
             <a:fld id="{2590F9C9-AB92-4E86-B698-DEC9BF4350FF}" type="datetimeFigureOut">
               <a:rPr lang="ru-RU" smtClean="0"/>
-              <a:t>22.11.2018</a:t>
+              <a:t>13.12.2018</a:t>
             </a:fld>
             <a:endParaRPr lang="ru-RU"/>
           </a:p>
@@ -8053,7 +8053,7 @@
           <a:p>
             <a:fld id="{2590F9C9-AB92-4E86-B698-DEC9BF4350FF}" type="datetimeFigureOut">
               <a:rPr lang="ru-RU" smtClean="0"/>
-              <a:t>22.11.2018</a:t>
+              <a:t>13.12.2018</a:t>
             </a:fld>
             <a:endParaRPr lang="ru-RU"/>
           </a:p>
@@ -8478,7 +8478,7 @@
           <a:p>
             <a:fld id="{2590F9C9-AB92-4E86-B698-DEC9BF4350FF}" type="datetimeFigureOut">
               <a:rPr lang="ru-RU" smtClean="0"/>
-              <a:t>22.11.2018</a:t>
+              <a:t>13.12.2018</a:t>
             </a:fld>
             <a:endParaRPr lang="ru-RU"/>
           </a:p>
@@ -9679,15 +9679,7 @@
           <a:p>
             <a:r>
               <a:rPr lang="ru-RU" dirty="0" smtClean="0"/>
-              <a:t>Отделяет конструирование сложного объекта от его представления, </a:t>
-            </a:r>
-            <a:r>
-              <a:rPr lang="ru-RU" dirty="0" smtClean="0"/>
-              <a:t>так что </a:t>
-            </a:r>
-            <a:r>
-              <a:rPr lang="ru-RU" dirty="0" smtClean="0"/>
-              <a:t>в результате одного и того же процесса конструирования могут получаться разные представления</a:t>
+              <a:t>Отделяет конструирование сложного объекта от его представления, так что в результате одного и того же процесса конструирования могут получаться разные представления</a:t>
             </a:r>
             <a:endParaRPr lang="ru-RU" dirty="0"/>
           </a:p>
@@ -13136,7 +13128,7 @@
         <p:spPr>
           <a:xfrm>
             <a:off x="214282" y="1835760"/>
-            <a:ext cx="8286808" cy="4832092"/>
+            <a:ext cx="8286808" cy="4616648"/>
           </a:xfrm>
           <a:prstGeom prst="rect">
             <a:avLst/>
@@ -13345,18 +13337,67 @@
           </a:p>
           <a:p>
             <a:pPr defTabSz="180975"/>
+            <a:endParaRPr lang="en-US" sz="1400" b="1" dirty="0" smtClean="0">
+              <a:latin typeface="Courier New" pitchFamily="49" charset="0"/>
+              <a:cs typeface="Courier New" pitchFamily="49" charset="0"/>
+            </a:endParaRPr>
+          </a:p>
+          <a:p>
+            <a:pPr defTabSz="180975"/>
             <a:r>
               <a:rPr lang="en-US" sz="1400" b="1" dirty="0" smtClean="0">
                 <a:latin typeface="Courier New" pitchFamily="49" charset="0"/>
                 <a:cs typeface="Courier New" pitchFamily="49" charset="0"/>
               </a:rPr>
-              <a:t>			</a:t>
+              <a:t>			if </a:t>
+            </a:r>
+            <a:r>
+              <a:rPr lang="en-US" sz="1400" b="1" dirty="0" smtClean="0">
+                <a:latin typeface="Courier New" pitchFamily="49" charset="0"/>
+                <a:cs typeface="Courier New" pitchFamily="49" charset="0"/>
+              </a:rPr>
+              <a:t>(auto </a:t>
             </a:r>
             <a:r>
               <a:rPr lang="en-US" sz="1400" b="1" dirty="0" err="1" smtClean="0">
                 <a:latin typeface="Courier New" pitchFamily="49" charset="0"/>
                 <a:cs typeface="Courier New" pitchFamily="49" charset="0"/>
               </a:rPr>
+              <a:t>textRange</a:t>
+            </a:r>
+            <a:r>
+              <a:rPr lang="en-US" sz="1400" b="1" dirty="0" smtClean="0">
+                <a:latin typeface="Courier New" pitchFamily="49" charset="0"/>
+                <a:cs typeface="Courier New" pitchFamily="49" charset="0"/>
+              </a:rPr>
+              <a:t> </a:t>
+            </a:r>
+            <a:r>
+              <a:rPr lang="en-US" sz="1400" b="1" dirty="0" smtClean="0">
+                <a:latin typeface="Courier New" pitchFamily="49" charset="0"/>
+                <a:cs typeface="Courier New" pitchFamily="49" charset="0"/>
+              </a:rPr>
+              <a:t>= </a:t>
+            </a:r>
+            <a:r>
+              <a:rPr lang="en-US" sz="1400" b="1" dirty="0" err="1" smtClean="0">
+                <a:latin typeface="Courier New" pitchFamily="49" charset="0"/>
+                <a:cs typeface="Courier New" pitchFamily="49" charset="0"/>
+              </a:rPr>
+              <a:t>dynamic_cast</a:t>
+            </a:r>
+            <a:r>
+              <a:rPr lang="en-US" sz="1400" b="1" dirty="0" smtClean="0">
+                <a:latin typeface="Courier New" pitchFamily="49" charset="0"/>
+                <a:cs typeface="Courier New" pitchFamily="49" charset="0"/>
+              </a:rPr>
+              <a:t>&lt;</a:t>
+            </a:r>
+            <a:r>
+              <a:rPr lang="en-US" sz="1400" b="1" dirty="0" err="1" smtClean="0">
+                <a:latin typeface="Courier New" pitchFamily="49" charset="0"/>
+                <a:cs typeface="Courier New" pitchFamily="49" charset="0"/>
+              </a:rPr>
               <a:t>CTextRangeItem</a:t>
             </a:r>
             <a:r>
@@ -13364,21 +13405,76 @@
                 <a:latin typeface="Courier New" pitchFamily="49" charset="0"/>
                 <a:cs typeface="Courier New" pitchFamily="49" charset="0"/>
               </a:rPr>
-              <a:t> const* </a:t>
+              <a:t> const*&gt;(&amp;item))</a:t>
+            </a:r>
+          </a:p>
+          <a:p>
+            <a:pPr defTabSz="180975"/>
+            <a:r>
+              <a:rPr lang="en-US" sz="1400" b="1" dirty="0" smtClean="0">
+                <a:latin typeface="Courier New" pitchFamily="49" charset="0"/>
+                <a:cs typeface="Courier New" pitchFamily="49" charset="0"/>
+              </a:rPr>
+              <a:t>			{</a:t>
+            </a:r>
+          </a:p>
+          <a:p>
+            <a:pPr defTabSz="180975"/>
+            <a:r>
+              <a:rPr lang="en-US" sz="1400" b="1" dirty="0" smtClean="0">
+                <a:latin typeface="Courier New" pitchFamily="49" charset="0"/>
+                <a:cs typeface="Courier New" pitchFamily="49" charset="0"/>
+              </a:rPr>
+              <a:t>				</a:t>
             </a:r>
             <a:r>
               <a:rPr lang="en-US" sz="1400" b="1" dirty="0" err="1" smtClean="0">
                 <a:latin typeface="Courier New" pitchFamily="49" charset="0"/>
                 <a:cs typeface="Courier New" pitchFamily="49" charset="0"/>
               </a:rPr>
-              <a:t>pTextRange</a:t>
+              <a:t>converter.ConvertText</a:t>
             </a:r>
             <a:r>
               <a:rPr lang="en-US" sz="1400" b="1" dirty="0" smtClean="0">
                 <a:latin typeface="Courier New" pitchFamily="49" charset="0"/>
                 <a:cs typeface="Courier New" pitchFamily="49" charset="0"/>
               </a:rPr>
-              <a:t> = NULL;</a:t>
+              <a:t>(</a:t>
+            </a:r>
+            <a:r>
+              <a:rPr lang="en-US" sz="1400" b="1" dirty="0" err="1" smtClean="0">
+                <a:latin typeface="Courier New" pitchFamily="49" charset="0"/>
+                <a:cs typeface="Courier New" pitchFamily="49" charset="0"/>
+              </a:rPr>
+              <a:t>textRange</a:t>
+            </a:r>
+            <a:r>
+              <a:rPr lang="en-US" sz="1400" b="1" dirty="0" smtClean="0">
+                <a:latin typeface="Courier New" pitchFamily="49" charset="0"/>
+                <a:cs typeface="Courier New" pitchFamily="49" charset="0"/>
+              </a:rPr>
+              <a:t>-</a:t>
+            </a:r>
+            <a:r>
+              <a:rPr lang="en-US" sz="1400" b="1" dirty="0" smtClean="0">
+                <a:latin typeface="Courier New" pitchFamily="49" charset="0"/>
+                <a:cs typeface="Courier New" pitchFamily="49" charset="0"/>
+              </a:rPr>
+              <a:t>&gt;</a:t>
+            </a:r>
+            <a:r>
+              <a:rPr lang="en-US" sz="1400" b="1" dirty="0" err="1" smtClean="0">
+                <a:latin typeface="Courier New" pitchFamily="49" charset="0"/>
+                <a:cs typeface="Courier New" pitchFamily="49" charset="0"/>
+              </a:rPr>
+              <a:t>GetText</a:t>
+            </a:r>
+            <a:r>
+              <a:rPr lang="en-US" sz="1400" b="1" dirty="0" smtClean="0">
+                <a:latin typeface="Courier New" pitchFamily="49" charset="0"/>
+                <a:cs typeface="Courier New" pitchFamily="49" charset="0"/>
+              </a:rPr>
+              <a:t>());</a:t>
             </a:r>
           </a:p>
           <a:p>
@@ -13388,13 +13484,65 @@
                 <a:latin typeface="Courier New" pitchFamily="49" charset="0"/>
                 <a:cs typeface="Courier New" pitchFamily="49" charset="0"/>
               </a:rPr>
-              <a:t>			</a:t>
+              <a:t>			}</a:t>
+            </a:r>
+          </a:p>
+          <a:p>
+            <a:pPr defTabSz="180975"/>
+            <a:r>
+              <a:rPr lang="en-US" sz="1400" b="1" dirty="0" smtClean="0">
+                <a:latin typeface="Courier New" pitchFamily="49" charset="0"/>
+                <a:cs typeface="Courier New" pitchFamily="49" charset="0"/>
+              </a:rPr>
+              <a:t>			else if </a:t>
+            </a:r>
+            <a:r>
+              <a:rPr lang="en-US" sz="1400" b="1" dirty="0" smtClean="0">
+                <a:latin typeface="Courier New" pitchFamily="49" charset="0"/>
+                <a:cs typeface="Courier New" pitchFamily="49" charset="0"/>
+              </a:rPr>
+              <a:t>(</a:t>
             </a:r>
             <a:r>
               <a:rPr lang="en-US" sz="1400" b="1" dirty="0" err="1" smtClean="0">
                 <a:latin typeface="Courier New" pitchFamily="49" charset="0"/>
                 <a:cs typeface="Courier New" pitchFamily="49" charset="0"/>
               </a:rPr>
+              <a:t>fontCommand</a:t>
+            </a:r>
+            <a:r>
+              <a:rPr lang="en-US" sz="1400" b="1" dirty="0" smtClean="0">
+                <a:latin typeface="Courier New" pitchFamily="49" charset="0"/>
+                <a:cs typeface="Courier New" pitchFamily="49" charset="0"/>
+              </a:rPr>
+              <a:t> </a:t>
+            </a:r>
+            <a:r>
+              <a:rPr lang="en-US" sz="1400" b="1" dirty="0" smtClean="0">
+                <a:latin typeface="Courier New" pitchFamily="49" charset="0"/>
+                <a:cs typeface="Courier New" pitchFamily="49" charset="0"/>
+              </a:rPr>
+              <a:t>= </a:t>
+            </a:r>
+            <a:r>
+              <a:rPr lang="en-US" sz="1400" b="1" dirty="0" err="1" smtClean="0">
+                <a:latin typeface="Courier New" pitchFamily="49" charset="0"/>
+                <a:cs typeface="Courier New" pitchFamily="49" charset="0"/>
+              </a:rPr>
+              <a:t>dynamic_cast</a:t>
+            </a:r>
+            <a:r>
+              <a:rPr lang="en-US" sz="1400" b="1" dirty="0" smtClean="0">
+                <a:latin typeface="Courier New" pitchFamily="49" charset="0"/>
+                <a:cs typeface="Courier New" pitchFamily="49" charset="0"/>
+              </a:rPr>
+              <a:t>&lt;</a:t>
+            </a:r>
+            <a:r>
+              <a:rPr lang="en-US" sz="1400" b="1" dirty="0" err="1" smtClean="0">
+                <a:latin typeface="Courier New" pitchFamily="49" charset="0"/>
+                <a:cs typeface="Courier New" pitchFamily="49" charset="0"/>
+              </a:rPr>
               <a:t>CFontChangeCommand</a:t>
             </a:r>
             <a:r>
@@ -13402,245 +13550,62 @@
                 <a:latin typeface="Courier New" pitchFamily="49" charset="0"/>
                 <a:cs typeface="Courier New" pitchFamily="49" charset="0"/>
               </a:rPr>
-              <a:t> const&amp; * </a:t>
+              <a:t> const*&gt;(&amp;item))</a:t>
+            </a:r>
+          </a:p>
+          <a:p>
+            <a:pPr defTabSz="180975"/>
+            <a:r>
+              <a:rPr lang="en-US" sz="1400" b="1" dirty="0" smtClean="0">
+                <a:latin typeface="Courier New" pitchFamily="49" charset="0"/>
+                <a:cs typeface="Courier New" pitchFamily="49" charset="0"/>
+              </a:rPr>
+              <a:t>			{</a:t>
+            </a:r>
+          </a:p>
+          <a:p>
+            <a:pPr defTabSz="180975"/>
+            <a:r>
+              <a:rPr lang="en-US" sz="1400" b="1" dirty="0" smtClean="0">
+                <a:latin typeface="Courier New" pitchFamily="49" charset="0"/>
+                <a:cs typeface="Courier New" pitchFamily="49" charset="0"/>
+              </a:rPr>
+              <a:t>				</a:t>
             </a:r>
             <a:r>
               <a:rPr lang="en-US" sz="1400" b="1" dirty="0" err="1" smtClean="0">
                 <a:latin typeface="Courier New" pitchFamily="49" charset="0"/>
                 <a:cs typeface="Courier New" pitchFamily="49" charset="0"/>
               </a:rPr>
-              <a:t>pFontCommand</a:t>
+              <a:t>converter.ConvertFontChange</a:t>
             </a:r>
             <a:r>
               <a:rPr lang="en-US" sz="1400" b="1" dirty="0" smtClean="0">
                 <a:latin typeface="Courier New" pitchFamily="49" charset="0"/>
                 <a:cs typeface="Courier New" pitchFamily="49" charset="0"/>
               </a:rPr>
-              <a:t> = NULL;</a:t>
-            </a:r>
-          </a:p>
-          <a:p>
-            <a:pPr defTabSz="180975"/>
+              <a:t>(</a:t>
+            </a:r>
+            <a:r>
+              <a:rPr lang="en-US" sz="1400" b="1" dirty="0" err="1" smtClean="0">
+                <a:latin typeface="Courier New" pitchFamily="49" charset="0"/>
+                <a:cs typeface="Courier New" pitchFamily="49" charset="0"/>
+              </a:rPr>
+              <a:t>fontCommand</a:t>
+            </a:r>
             <a:r>
               <a:rPr lang="en-US" sz="1400" b="1" dirty="0" smtClean="0">
                 <a:latin typeface="Courier New" pitchFamily="49" charset="0"/>
                 <a:cs typeface="Courier New" pitchFamily="49" charset="0"/>
               </a:rPr>
-              <a:t>			if (</a:t>
-            </a:r>
-            <a:r>
-              <a:rPr lang="en-US" sz="1400" b="1" dirty="0" err="1" smtClean="0">
-                <a:latin typeface="Courier New" pitchFamily="49" charset="0"/>
-                <a:cs typeface="Courier New" pitchFamily="49" charset="0"/>
-              </a:rPr>
-              <a:t>pTextRange</a:t>
+              <a:t>-</a:t>
             </a:r>
             <a:r>
               <a:rPr lang="en-US" sz="1400" b="1" dirty="0" smtClean="0">
                 <a:latin typeface="Courier New" pitchFamily="49" charset="0"/>
                 <a:cs typeface="Courier New" pitchFamily="49" charset="0"/>
               </a:rPr>
-              <a:t> = </a:t>
-            </a:r>
-            <a:r>
-              <a:rPr lang="en-US" sz="1400" b="1" dirty="0" err="1" smtClean="0">
-                <a:latin typeface="Courier New" pitchFamily="49" charset="0"/>
-                <a:cs typeface="Courier New" pitchFamily="49" charset="0"/>
-              </a:rPr>
-              <a:t>dynamic_cast</a:t>
-            </a:r>
-            <a:r>
-              <a:rPr lang="en-US" sz="1400" b="1" dirty="0" smtClean="0">
-                <a:latin typeface="Courier New" pitchFamily="49" charset="0"/>
-                <a:cs typeface="Courier New" pitchFamily="49" charset="0"/>
-              </a:rPr>
-              <a:t>&lt;</a:t>
-            </a:r>
-            <a:r>
-              <a:rPr lang="en-US" sz="1400" b="1" dirty="0" err="1" smtClean="0">
-                <a:latin typeface="Courier New" pitchFamily="49" charset="0"/>
-                <a:cs typeface="Courier New" pitchFamily="49" charset="0"/>
-              </a:rPr>
-              <a:t>CTextRangeItem</a:t>
-            </a:r>
-            <a:r>
-              <a:rPr lang="en-US" sz="1400" b="1" dirty="0" smtClean="0">
-                <a:latin typeface="Courier New" pitchFamily="49" charset="0"/>
-                <a:cs typeface="Courier New" pitchFamily="49" charset="0"/>
-              </a:rPr>
-              <a:t> const*&gt;(&amp;item))</a:t>
-            </a:r>
-          </a:p>
-          <a:p>
-            <a:pPr defTabSz="180975"/>
-            <a:r>
-              <a:rPr lang="en-US" sz="1400" b="1" dirty="0" smtClean="0">
-                <a:latin typeface="Courier New" pitchFamily="49" charset="0"/>
-                <a:cs typeface="Courier New" pitchFamily="49" charset="0"/>
-              </a:rPr>
-              <a:t>			{</a:t>
-            </a:r>
-          </a:p>
-          <a:p>
-            <a:pPr defTabSz="180975"/>
-            <a:r>
-              <a:rPr lang="en-US" sz="1400" b="1" dirty="0" smtClean="0">
-                <a:latin typeface="Courier New" pitchFamily="49" charset="0"/>
-                <a:cs typeface="Courier New" pitchFamily="49" charset="0"/>
-              </a:rPr>
-              <a:t>				</a:t>
-            </a:r>
-            <a:r>
-              <a:rPr lang="en-US" sz="1400" b="1" dirty="0" err="1" smtClean="0">
-                <a:latin typeface="Courier New" pitchFamily="49" charset="0"/>
-                <a:cs typeface="Courier New" pitchFamily="49" charset="0"/>
-              </a:rPr>
-              <a:t>converter.ConvertText</a:t>
-            </a:r>
-            <a:r>
-              <a:rPr lang="en-US" sz="1400" b="1" dirty="0" smtClean="0">
-                <a:latin typeface="Courier New" pitchFamily="49" charset="0"/>
-                <a:cs typeface="Courier New" pitchFamily="49" charset="0"/>
-              </a:rPr>
-              <a:t>(</a:t>
-            </a:r>
-            <a:r>
-              <a:rPr lang="en-US" sz="1400" b="1" dirty="0" err="1" smtClean="0">
-                <a:latin typeface="Courier New" pitchFamily="49" charset="0"/>
-                <a:cs typeface="Courier New" pitchFamily="49" charset="0"/>
-              </a:rPr>
-              <a:t>pTextRange</a:t>
-            </a:r>
-            <a:r>
-              <a:rPr lang="en-US" sz="1400" b="1" dirty="0" smtClean="0">
-                <a:latin typeface="Courier New" pitchFamily="49" charset="0"/>
-                <a:cs typeface="Courier New" pitchFamily="49" charset="0"/>
-              </a:rPr>
-              <a:t>-&gt;</a:t>
-            </a:r>
-            <a:r>
-              <a:rPr lang="en-US" sz="1400" b="1" dirty="0" err="1" smtClean="0">
-                <a:latin typeface="Courier New" pitchFamily="49" charset="0"/>
-                <a:cs typeface="Courier New" pitchFamily="49" charset="0"/>
-              </a:rPr>
-              <a:t>GetText</a:t>
-            </a:r>
-            <a:r>
-              <a:rPr lang="en-US" sz="1400" b="1" dirty="0" smtClean="0">
-                <a:latin typeface="Courier New" pitchFamily="49" charset="0"/>
-                <a:cs typeface="Courier New" pitchFamily="49" charset="0"/>
-              </a:rPr>
-              <a:t>());</a:t>
-            </a:r>
-          </a:p>
-          <a:p>
-            <a:pPr defTabSz="180975"/>
-            <a:r>
-              <a:rPr lang="en-US" sz="1400" b="1" dirty="0" smtClean="0">
-                <a:latin typeface="Courier New" pitchFamily="49" charset="0"/>
-                <a:cs typeface="Courier New" pitchFamily="49" charset="0"/>
-              </a:rPr>
-              <a:t>			}</a:t>
-            </a:r>
-          </a:p>
-          <a:p>
-            <a:pPr defTabSz="180975"/>
-            <a:r>
-              <a:rPr lang="en-US" sz="1400" b="1" dirty="0" smtClean="0">
-                <a:latin typeface="Courier New" pitchFamily="49" charset="0"/>
-                <a:cs typeface="Courier New" pitchFamily="49" charset="0"/>
-              </a:rPr>
-              <a:t>			else if (</a:t>
-            </a:r>
-            <a:r>
-              <a:rPr lang="en-US" sz="1400" b="1" dirty="0" err="1" smtClean="0">
-                <a:latin typeface="Courier New" pitchFamily="49" charset="0"/>
-                <a:cs typeface="Courier New" pitchFamily="49" charset="0"/>
-              </a:rPr>
-              <a:t>pFontCommand</a:t>
-            </a:r>
-            <a:r>
-              <a:rPr lang="en-US" sz="1400" b="1" dirty="0" smtClean="0">
-                <a:latin typeface="Courier New" pitchFamily="49" charset="0"/>
-                <a:cs typeface="Courier New" pitchFamily="49" charset="0"/>
-              </a:rPr>
-              <a:t> = </a:t>
-            </a:r>
-            <a:r>
-              <a:rPr lang="en-US" sz="1400" b="1" dirty="0" err="1" smtClean="0">
-                <a:latin typeface="Courier New" pitchFamily="49" charset="0"/>
-                <a:cs typeface="Courier New" pitchFamily="49" charset="0"/>
-              </a:rPr>
-              <a:t>dynamic_cast</a:t>
-            </a:r>
-            <a:r>
-              <a:rPr lang="en-US" sz="1400" b="1" dirty="0" smtClean="0">
-                <a:latin typeface="Courier New" pitchFamily="49" charset="0"/>
-                <a:cs typeface="Courier New" pitchFamily="49" charset="0"/>
-              </a:rPr>
-              <a:t>&lt;</a:t>
-            </a:r>
-            <a:r>
-              <a:rPr lang="en-US" sz="1400" b="1" dirty="0" err="1" smtClean="0">
-                <a:latin typeface="Courier New" pitchFamily="49" charset="0"/>
-                <a:cs typeface="Courier New" pitchFamily="49" charset="0"/>
-              </a:rPr>
-              <a:t>CFontChangeCommand</a:t>
-            </a:r>
-            <a:r>
-              <a:rPr lang="en-US" sz="1400" b="1" dirty="0" smtClean="0">
-                <a:latin typeface="Courier New" pitchFamily="49" charset="0"/>
-                <a:cs typeface="Courier New" pitchFamily="49" charset="0"/>
-              </a:rPr>
-              <a:t> const*&gt;(&amp;item))</a:t>
-            </a:r>
-          </a:p>
-          <a:p>
-            <a:pPr defTabSz="180975"/>
-            <a:r>
-              <a:rPr lang="en-US" sz="1400" b="1" dirty="0" smtClean="0">
-                <a:latin typeface="Courier New" pitchFamily="49" charset="0"/>
-                <a:cs typeface="Courier New" pitchFamily="49" charset="0"/>
-              </a:rPr>
-              <a:t>			{</a:t>
-            </a:r>
-          </a:p>
-          <a:p>
-            <a:pPr defTabSz="180975"/>
-            <a:r>
-              <a:rPr lang="en-US" sz="1400" b="1" dirty="0" smtClean="0">
-                <a:latin typeface="Courier New" pitchFamily="49" charset="0"/>
-                <a:cs typeface="Courier New" pitchFamily="49" charset="0"/>
-              </a:rPr>
-              <a:t>				</a:t>
-            </a:r>
-            <a:r>
-              <a:rPr lang="en-US" sz="1400" b="1" dirty="0" err="1" smtClean="0">
-                <a:latin typeface="Courier New" pitchFamily="49" charset="0"/>
-                <a:cs typeface="Courier New" pitchFamily="49" charset="0"/>
-              </a:rPr>
-              <a:t>converter.ConvertFontChange</a:t>
-            </a:r>
-            <a:r>
-              <a:rPr lang="en-US" sz="1400" b="1" dirty="0" smtClean="0">
-                <a:latin typeface="Courier New" pitchFamily="49" charset="0"/>
-                <a:cs typeface="Courier New" pitchFamily="49" charset="0"/>
-              </a:rPr>
-              <a:t>(</a:t>
-            </a:r>
-            <a:r>
-              <a:rPr lang="en-US" sz="1400" b="1" dirty="0" err="1" smtClean="0">
-                <a:latin typeface="Courier New" pitchFamily="49" charset="0"/>
-                <a:cs typeface="Courier New" pitchFamily="49" charset="0"/>
-              </a:rPr>
-              <a:t>pFontCommand</a:t>
-            </a:r>
-            <a:r>
-              <a:rPr lang="en-US" sz="1400" b="1" dirty="0" smtClean="0">
-                <a:latin typeface="Courier New" pitchFamily="49" charset="0"/>
-                <a:cs typeface="Courier New" pitchFamily="49" charset="0"/>
-              </a:rPr>
-              <a:t>-&gt;</a:t>
+              <a:t>&gt;</a:t>
             </a:r>
             <a:r>
               <a:rPr lang="en-US" sz="1400" b="1" dirty="0" err="1" smtClean="0">
